--- a/GDD/Ciclo de trabalho.pptx
+++ b/GDD/Ciclo de trabalho.pptx
@@ -105,6 +105,11 @@
       </a:defRPr>
     </a:lvl9pPr>
   </p:defaultTextStyle>
+  <p:extLst>
+    <p:ext uri="{EFAFB233-063F-42B5-8137-9DF3F51BA10A}">
+      <p15:sldGuideLst xmlns:p15="http://schemas.microsoft.com/office/powerpoint/2012/main"/>
+    </p:ext>
+  </p:extLst>
 </p:presentation>
 </file>
 
@@ -1136,6 +1141,13 @@
         </dgm:presLayoutVars>
       </dgm:prSet>
       <dgm:spPr/>
+      <dgm:t>
+        <a:bodyPr/>
+        <a:lstStyle/>
+        <a:p>
+          <a:endParaRPr lang="pt-BR"/>
+        </a:p>
+      </dgm:t>
     </dgm:pt>
     <dgm:pt modelId="{75C9DC9B-AB0A-495F-8372-5B0B9CC1786E}" type="pres">
       <dgm:prSet presAssocID="{12A4025F-C13B-4F8A-805F-425004CEE48E}" presName="cycle" presStyleCnt="0"/>
@@ -1159,6 +1171,13 @@
     <dgm:pt modelId="{F352CCD2-62DF-4A79-86CF-16258AD5F186}" type="pres">
       <dgm:prSet presAssocID="{1F56803A-CBCA-4B80-9ED8-161886EDBA08}" presName="sibTransFirstNode" presStyleLbl="bgShp" presStyleIdx="0" presStyleCnt="1"/>
       <dgm:spPr/>
+      <dgm:t>
+        <a:bodyPr/>
+        <a:lstStyle/>
+        <a:p>
+          <a:endParaRPr lang="pt-BR"/>
+        </a:p>
+      </dgm:t>
     </dgm:pt>
     <dgm:pt modelId="{90D0D70D-D3A1-45A4-918B-982BB4D59ADC}" type="pres">
       <dgm:prSet presAssocID="{6EEF101B-6F3B-49DC-824B-EEDDECF26310}" presName="nodeFollowingNodes" presStyleLbl="node1" presStyleIdx="1" presStyleCnt="7">
@@ -1167,6 +1186,13 @@
         </dgm:presLayoutVars>
       </dgm:prSet>
       <dgm:spPr/>
+      <dgm:t>
+        <a:bodyPr/>
+        <a:lstStyle/>
+        <a:p>
+          <a:endParaRPr lang="pt-BR"/>
+        </a:p>
+      </dgm:t>
     </dgm:pt>
     <dgm:pt modelId="{C8EC1AB9-E882-456E-A861-F133D58F334B}" type="pres">
       <dgm:prSet presAssocID="{968E0B8A-7E15-45A8-BBBA-CFE119D6D5FC}" presName="nodeFollowingNodes" presStyleLbl="node1" presStyleIdx="2" presStyleCnt="7">
@@ -1190,6 +1216,13 @@
         </dgm:presLayoutVars>
       </dgm:prSet>
       <dgm:spPr/>
+      <dgm:t>
+        <a:bodyPr/>
+        <a:lstStyle/>
+        <a:p>
+          <a:endParaRPr lang="pt-BR"/>
+        </a:p>
+      </dgm:t>
     </dgm:pt>
     <dgm:pt modelId="{11B3B5C0-DE0F-4653-9724-38A485F5C155}" type="pres">
       <dgm:prSet presAssocID="{A2E28061-1AFD-4C30-925A-506AE5D37D70}" presName="nodeFollowingNodes" presStyleLbl="node1" presStyleIdx="4" presStyleCnt="7">
@@ -3446,7 +3479,7 @@
           <a:p>
             <a:fld id="{033C220F-AFE8-4CCC-95E1-E0424241E150}" type="datetimeFigureOut">
               <a:rPr lang="pt-BR" smtClean="0"/>
-              <a:t>31/08/2017</a:t>
+              <a:t>01/09/2017</a:t>
             </a:fld>
             <a:endParaRPr lang="pt-BR"/>
           </a:p>
@@ -3616,7 +3649,7 @@
           <a:p>
             <a:fld id="{033C220F-AFE8-4CCC-95E1-E0424241E150}" type="datetimeFigureOut">
               <a:rPr lang="pt-BR" smtClean="0"/>
-              <a:t>31/08/2017</a:t>
+              <a:t>01/09/2017</a:t>
             </a:fld>
             <a:endParaRPr lang="pt-BR"/>
           </a:p>
@@ -3796,7 +3829,7 @@
           <a:p>
             <a:fld id="{033C220F-AFE8-4CCC-95E1-E0424241E150}" type="datetimeFigureOut">
               <a:rPr lang="pt-BR" smtClean="0"/>
-              <a:t>31/08/2017</a:t>
+              <a:t>01/09/2017</a:t>
             </a:fld>
             <a:endParaRPr lang="pt-BR"/>
           </a:p>
@@ -3966,7 +3999,7 @@
           <a:p>
             <a:fld id="{033C220F-AFE8-4CCC-95E1-E0424241E150}" type="datetimeFigureOut">
               <a:rPr lang="pt-BR" smtClean="0"/>
-              <a:t>31/08/2017</a:t>
+              <a:t>01/09/2017</a:t>
             </a:fld>
             <a:endParaRPr lang="pt-BR"/>
           </a:p>
@@ -4212,7 +4245,7 @@
           <a:p>
             <a:fld id="{033C220F-AFE8-4CCC-95E1-E0424241E150}" type="datetimeFigureOut">
               <a:rPr lang="pt-BR" smtClean="0"/>
-              <a:t>31/08/2017</a:t>
+              <a:t>01/09/2017</a:t>
             </a:fld>
             <a:endParaRPr lang="pt-BR"/>
           </a:p>
@@ -4444,7 +4477,7 @@
           <a:p>
             <a:fld id="{033C220F-AFE8-4CCC-95E1-E0424241E150}" type="datetimeFigureOut">
               <a:rPr lang="pt-BR" smtClean="0"/>
-              <a:t>31/08/2017</a:t>
+              <a:t>01/09/2017</a:t>
             </a:fld>
             <a:endParaRPr lang="pt-BR"/>
           </a:p>
@@ -4811,7 +4844,7 @@
           <a:p>
             <a:fld id="{033C220F-AFE8-4CCC-95E1-E0424241E150}" type="datetimeFigureOut">
               <a:rPr lang="pt-BR" smtClean="0"/>
-              <a:t>31/08/2017</a:t>
+              <a:t>01/09/2017</a:t>
             </a:fld>
             <a:endParaRPr lang="pt-BR"/>
           </a:p>
@@ -4929,7 +4962,7 @@
           <a:p>
             <a:fld id="{033C220F-AFE8-4CCC-95E1-E0424241E150}" type="datetimeFigureOut">
               <a:rPr lang="pt-BR" smtClean="0"/>
-              <a:t>31/08/2017</a:t>
+              <a:t>01/09/2017</a:t>
             </a:fld>
             <a:endParaRPr lang="pt-BR"/>
           </a:p>
@@ -5024,7 +5057,7 @@
           <a:p>
             <a:fld id="{033C220F-AFE8-4CCC-95E1-E0424241E150}" type="datetimeFigureOut">
               <a:rPr lang="pt-BR" smtClean="0"/>
-              <a:t>31/08/2017</a:t>
+              <a:t>01/09/2017</a:t>
             </a:fld>
             <a:endParaRPr lang="pt-BR"/>
           </a:p>
@@ -5301,7 +5334,7 @@
           <a:p>
             <a:fld id="{033C220F-AFE8-4CCC-95E1-E0424241E150}" type="datetimeFigureOut">
               <a:rPr lang="pt-BR" smtClean="0"/>
-              <a:t>31/08/2017</a:t>
+              <a:t>01/09/2017</a:t>
             </a:fld>
             <a:endParaRPr lang="pt-BR"/>
           </a:p>
@@ -5554,7 +5587,7 @@
           <a:p>
             <a:fld id="{033C220F-AFE8-4CCC-95E1-E0424241E150}" type="datetimeFigureOut">
               <a:rPr lang="pt-BR" smtClean="0"/>
-              <a:t>31/08/2017</a:t>
+              <a:t>01/09/2017</a:t>
             </a:fld>
             <a:endParaRPr lang="pt-BR"/>
           </a:p>
@@ -5767,7 +5800,7 @@
           <a:p>
             <a:fld id="{033C220F-AFE8-4CCC-95E1-E0424241E150}" type="datetimeFigureOut">
               <a:rPr lang="pt-BR" smtClean="0"/>
-              <a:t>31/08/2017</a:t>
+              <a:t>01/09/2017</a:t>
             </a:fld>
             <a:endParaRPr lang="pt-BR"/>
           </a:p>
@@ -6202,7 +6235,7 @@
         </p:nvSpPr>
         <p:spPr>
           <a:xfrm>
-            <a:off x="6123963" y="225396"/>
+            <a:off x="6216241" y="225396"/>
             <a:ext cx="6068037" cy="2031325"/>
           </a:xfrm>
           <a:prstGeom prst="rect">

--- a/GDD/Ciclo de trabalho.pptx
+++ b/GDD/Ciclo de trabalho.pptx
@@ -3479,7 +3479,7 @@
           <a:p>
             <a:fld id="{033C220F-AFE8-4CCC-95E1-E0424241E150}" type="datetimeFigureOut">
               <a:rPr lang="pt-BR" smtClean="0"/>
-              <a:t>01/09/2017</a:t>
+              <a:t>13/09/2017</a:t>
             </a:fld>
             <a:endParaRPr lang="pt-BR"/>
           </a:p>
@@ -3649,7 +3649,7 @@
           <a:p>
             <a:fld id="{033C220F-AFE8-4CCC-95E1-E0424241E150}" type="datetimeFigureOut">
               <a:rPr lang="pt-BR" smtClean="0"/>
-              <a:t>01/09/2017</a:t>
+              <a:t>13/09/2017</a:t>
             </a:fld>
             <a:endParaRPr lang="pt-BR"/>
           </a:p>
@@ -3829,7 +3829,7 @@
           <a:p>
             <a:fld id="{033C220F-AFE8-4CCC-95E1-E0424241E150}" type="datetimeFigureOut">
               <a:rPr lang="pt-BR" smtClean="0"/>
-              <a:t>01/09/2017</a:t>
+              <a:t>13/09/2017</a:t>
             </a:fld>
             <a:endParaRPr lang="pt-BR"/>
           </a:p>
@@ -3999,7 +3999,7 @@
           <a:p>
             <a:fld id="{033C220F-AFE8-4CCC-95E1-E0424241E150}" type="datetimeFigureOut">
               <a:rPr lang="pt-BR" smtClean="0"/>
-              <a:t>01/09/2017</a:t>
+              <a:t>13/09/2017</a:t>
             </a:fld>
             <a:endParaRPr lang="pt-BR"/>
           </a:p>
@@ -4245,7 +4245,7 @@
           <a:p>
             <a:fld id="{033C220F-AFE8-4CCC-95E1-E0424241E150}" type="datetimeFigureOut">
               <a:rPr lang="pt-BR" smtClean="0"/>
-              <a:t>01/09/2017</a:t>
+              <a:t>13/09/2017</a:t>
             </a:fld>
             <a:endParaRPr lang="pt-BR"/>
           </a:p>
@@ -4477,7 +4477,7 @@
           <a:p>
             <a:fld id="{033C220F-AFE8-4CCC-95E1-E0424241E150}" type="datetimeFigureOut">
               <a:rPr lang="pt-BR" smtClean="0"/>
-              <a:t>01/09/2017</a:t>
+              <a:t>13/09/2017</a:t>
             </a:fld>
             <a:endParaRPr lang="pt-BR"/>
           </a:p>
@@ -4844,7 +4844,7 @@
           <a:p>
             <a:fld id="{033C220F-AFE8-4CCC-95E1-E0424241E150}" type="datetimeFigureOut">
               <a:rPr lang="pt-BR" smtClean="0"/>
-              <a:t>01/09/2017</a:t>
+              <a:t>13/09/2017</a:t>
             </a:fld>
             <a:endParaRPr lang="pt-BR"/>
           </a:p>
@@ -4962,7 +4962,7 @@
           <a:p>
             <a:fld id="{033C220F-AFE8-4CCC-95E1-E0424241E150}" type="datetimeFigureOut">
               <a:rPr lang="pt-BR" smtClean="0"/>
-              <a:t>01/09/2017</a:t>
+              <a:t>13/09/2017</a:t>
             </a:fld>
             <a:endParaRPr lang="pt-BR"/>
           </a:p>
@@ -5057,7 +5057,7 @@
           <a:p>
             <a:fld id="{033C220F-AFE8-4CCC-95E1-E0424241E150}" type="datetimeFigureOut">
               <a:rPr lang="pt-BR" smtClean="0"/>
-              <a:t>01/09/2017</a:t>
+              <a:t>13/09/2017</a:t>
             </a:fld>
             <a:endParaRPr lang="pt-BR"/>
           </a:p>
@@ -5334,7 +5334,7 @@
           <a:p>
             <a:fld id="{033C220F-AFE8-4CCC-95E1-E0424241E150}" type="datetimeFigureOut">
               <a:rPr lang="pt-BR" smtClean="0"/>
-              <a:t>01/09/2017</a:t>
+              <a:t>13/09/2017</a:t>
             </a:fld>
             <a:endParaRPr lang="pt-BR"/>
           </a:p>
@@ -5587,7 +5587,7 @@
           <a:p>
             <a:fld id="{033C220F-AFE8-4CCC-95E1-E0424241E150}" type="datetimeFigureOut">
               <a:rPr lang="pt-BR" smtClean="0"/>
-              <a:t>01/09/2017</a:t>
+              <a:t>13/09/2017</a:t>
             </a:fld>
             <a:endParaRPr lang="pt-BR"/>
           </a:p>
@@ -5800,7 +5800,7 @@
           <a:p>
             <a:fld id="{033C220F-AFE8-4CCC-95E1-E0424241E150}" type="datetimeFigureOut">
               <a:rPr lang="pt-BR" smtClean="0"/>
-              <a:t>01/09/2017</a:t>
+              <a:t>13/09/2017</a:t>
             </a:fld>
             <a:endParaRPr lang="pt-BR"/>
           </a:p>
@@ -6250,74 +6250,74 @@
           <a:lstStyle/>
           <a:p>
             <a:r>
-              <a:rPr lang="pt-BR" dirty="0" smtClean="0"/>
+              <a:rPr lang="pt-BR" strike="sngStrike" dirty="0" smtClean="0"/>
               <a:t>Primeiro ciclo:</a:t>
             </a:r>
           </a:p>
           <a:p>
             <a:r>
-              <a:rPr lang="pt-BR" dirty="0" smtClean="0"/>
+              <a:rPr lang="pt-BR" strike="sngStrike" dirty="0" smtClean="0"/>
               <a:t>	-criar o mundo do jogo</a:t>
             </a:r>
           </a:p>
           <a:p>
             <a:r>
-              <a:rPr lang="pt-BR" dirty="0"/>
+              <a:rPr lang="pt-BR" strike="sngStrike" dirty="0"/>
               <a:t>	</a:t>
             </a:r>
             <a:r>
-              <a:rPr lang="pt-BR" dirty="0" smtClean="0"/>
+              <a:rPr lang="pt-BR" strike="sngStrike" dirty="0" smtClean="0"/>
               <a:t>-criar um personagem</a:t>
             </a:r>
           </a:p>
           <a:p>
             <a:r>
-              <a:rPr lang="pt-BR" dirty="0"/>
+              <a:rPr lang="pt-BR" strike="sngStrike" dirty="0"/>
               <a:t>	</a:t>
             </a:r>
             <a:r>
-              <a:rPr lang="pt-BR" dirty="0" smtClean="0"/>
+              <a:rPr lang="pt-BR" strike="sngStrike" dirty="0" smtClean="0"/>
               <a:t>- inserir controle horizontal</a:t>
             </a:r>
           </a:p>
           <a:p>
             <a:r>
-              <a:rPr lang="pt-BR" dirty="0"/>
+              <a:rPr lang="pt-BR" strike="sngStrike" dirty="0"/>
               <a:t>	</a:t>
             </a:r>
             <a:r>
-              <a:rPr lang="pt-BR" dirty="0" smtClean="0"/>
+              <a:rPr lang="pt-BR" strike="sngStrike" dirty="0" smtClean="0"/>
               <a:t>- inserir pulo</a:t>
             </a:r>
           </a:p>
           <a:p>
             <a:r>
-              <a:rPr lang="pt-BR" dirty="0"/>
+              <a:rPr lang="pt-BR" strike="sngStrike" dirty="0"/>
               <a:t>	</a:t>
             </a:r>
             <a:r>
-              <a:rPr lang="pt-BR" dirty="0" smtClean="0"/>
+              <a:rPr lang="pt-BR" strike="sngStrike" dirty="0" smtClean="0"/>
               <a:t>- fazer um </a:t>
             </a:r>
             <a:r>
-              <a:rPr lang="pt-BR" dirty="0" err="1" smtClean="0"/>
+              <a:rPr lang="pt-BR" strike="sngStrike" dirty="0" err="1" smtClean="0"/>
               <a:t>level</a:t>
             </a:r>
             <a:r>
-              <a:rPr lang="pt-BR" dirty="0" smtClean="0"/>
+              <a:rPr lang="pt-BR" strike="sngStrike" dirty="0" smtClean="0"/>
               <a:t> com buracos</a:t>
             </a:r>
           </a:p>
           <a:p>
             <a:r>
-              <a:rPr lang="pt-BR" dirty="0"/>
+              <a:rPr lang="pt-BR" strike="sngStrike" dirty="0"/>
               <a:t>	</a:t>
             </a:r>
             <a:r>
-              <a:rPr lang="pt-BR" dirty="0" smtClean="0"/>
+              <a:rPr lang="pt-BR" strike="sngStrike" dirty="0" smtClean="0"/>
               <a:t>- criar menu de inicio</a:t>
             </a:r>
-            <a:endParaRPr lang="pt-BR" dirty="0"/>
+            <a:endParaRPr lang="pt-BR" strike="sngStrike" dirty="0"/>
           </a:p>
         </p:txBody>
       </p:sp>
@@ -6330,6 +6330,115 @@
         <p:spPr>
           <a:xfrm>
             <a:off x="6308521" y="2256721"/>
+            <a:ext cx="6165908" cy="2862322"/>
+          </a:xfrm>
+          <a:prstGeom prst="rect">
+            <a:avLst/>
+          </a:prstGeom>
+          <a:noFill/>
+        </p:spPr>
+        <p:txBody>
+          <a:bodyPr wrap="square" rtlCol="0">
+            <a:spAutoFit/>
+          </a:bodyPr>
+          <a:lstStyle/>
+          <a:p>
+            <a:r>
+              <a:rPr lang="pt-BR" dirty="0" smtClean="0"/>
+              <a:t>Segundo ciclo:</a:t>
+            </a:r>
+          </a:p>
+          <a:p>
+            <a:r>
+              <a:rPr lang="pt-BR" dirty="0"/>
+              <a:t>	</a:t>
+            </a:r>
+            <a:r>
+              <a:rPr lang="pt-BR" strike="sngStrike" dirty="0" smtClean="0"/>
+              <a:t>- iluminação/ distancia de câmera</a:t>
+            </a:r>
+          </a:p>
+          <a:p>
+            <a:r>
+              <a:rPr lang="pt-BR" dirty="0"/>
+              <a:t>	</a:t>
+            </a:r>
+            <a:r>
+              <a:rPr lang="pt-BR" strike="sngStrike" dirty="0" smtClean="0"/>
+              <a:t>- inserir figura do personagem</a:t>
+            </a:r>
+          </a:p>
+          <a:p>
+            <a:r>
+              <a:rPr lang="pt-BR" dirty="0"/>
+              <a:t>	</a:t>
+            </a:r>
+            <a:r>
+              <a:rPr lang="pt-BR" strike="sngStrike" dirty="0" smtClean="0"/>
+              <a:t>- definir esquema de atrito</a:t>
+            </a:r>
+          </a:p>
+          <a:p>
+            <a:r>
+              <a:rPr lang="pt-BR" dirty="0"/>
+              <a:t>	</a:t>
+            </a:r>
+            <a:r>
+              <a:rPr lang="pt-BR" strike="sngStrike" dirty="0" smtClean="0"/>
+              <a:t>- identificação de colisão com o chão</a:t>
+            </a:r>
+          </a:p>
+          <a:p>
+            <a:r>
+              <a:rPr lang="pt-BR" dirty="0"/>
+              <a:t>	</a:t>
+            </a:r>
+            <a:r>
+              <a:rPr lang="pt-BR" dirty="0" smtClean="0"/>
+              <a:t>- criar espetos</a:t>
+            </a:r>
+          </a:p>
+          <a:p>
+            <a:r>
+              <a:rPr lang="pt-BR" dirty="0"/>
+              <a:t>	</a:t>
+            </a:r>
+            <a:r>
+              <a:rPr lang="pt-BR" dirty="0" smtClean="0"/>
+              <a:t>- criar um inimigo</a:t>
+            </a:r>
+          </a:p>
+          <a:p>
+            <a:r>
+              <a:rPr lang="pt-BR" dirty="0"/>
+              <a:t>	</a:t>
+            </a:r>
+            <a:r>
+              <a:rPr lang="pt-BR" dirty="0" smtClean="0"/>
+              <a:t>- fazer um background pro menu</a:t>
+            </a:r>
+          </a:p>
+          <a:p>
+            <a:endParaRPr lang="pt-BR" dirty="0" smtClean="0"/>
+          </a:p>
+          <a:p>
+            <a:r>
+              <a:rPr lang="pt-BR" dirty="0" smtClean="0"/>
+              <a:t>	</a:t>
+            </a:r>
+            <a:endParaRPr lang="pt-BR" dirty="0"/>
+          </a:p>
+        </p:txBody>
+      </p:sp>
+      <p:sp>
+        <p:nvSpPr>
+          <p:cNvPr id="7" name="CaixaDeTexto 6"/>
+          <p:cNvSpPr txBox="1"/>
+          <p:nvPr/>
+        </p:nvSpPr>
+        <p:spPr>
+          <a:xfrm>
+            <a:off x="6308520" y="4487003"/>
             <a:ext cx="5883479" cy="2862322"/>
           </a:xfrm>
           <a:prstGeom prst="rect">
@@ -6345,8 +6454,27 @@
           <a:p>
             <a:r>
               <a:rPr lang="pt-BR" dirty="0" smtClean="0"/>
-              <a:t>Segundo ciclo:</a:t>
-            </a:r>
+              <a:t>Terceiro ciclo:</a:t>
+            </a:r>
+          </a:p>
+          <a:p>
+            <a:r>
+              <a:rPr lang="pt-BR" dirty="0" smtClean="0"/>
+              <a:t>	-</a:t>
+            </a:r>
+            <a:r>
+              <a:rPr lang="pt-BR" dirty="0" err="1" smtClean="0"/>
+              <a:t>backgrund</a:t>
+            </a:r>
+            <a:r>
+              <a:rPr lang="pt-BR" dirty="0" smtClean="0"/>
+              <a:t> do primeiro </a:t>
+            </a:r>
+            <a:r>
+              <a:rPr lang="pt-BR" dirty="0" err="1" smtClean="0"/>
+              <a:t>level</a:t>
+            </a:r>
+            <a:endParaRPr lang="pt-BR" dirty="0" smtClean="0"/>
           </a:p>
           <a:p>
             <a:r>
@@ -6355,8 +6483,13 @@
             </a:r>
             <a:r>
               <a:rPr lang="pt-BR" dirty="0" smtClean="0"/>
-              <a:t>- iluminação/ distancia de câmera</a:t>
-            </a:r>
+              <a:t>-animação </a:t>
+            </a:r>
+            <a:r>
+              <a:rPr lang="pt-BR" dirty="0" err="1" smtClean="0"/>
+              <a:t>idle</a:t>
+            </a:r>
+            <a:endParaRPr lang="pt-BR" dirty="0" smtClean="0"/>
           </a:p>
           <a:p>
             <a:r>
@@ -6365,8 +6498,13 @@
             </a:r>
             <a:r>
               <a:rPr lang="pt-BR" dirty="0" smtClean="0"/>
-              <a:t>- inserir figura do personagem</a:t>
-            </a:r>
+              <a:t>- inserir controle de </a:t>
+            </a:r>
+            <a:r>
+              <a:rPr lang="pt-BR" dirty="0" err="1" smtClean="0"/>
+              <a:t>gamepad</a:t>
+            </a:r>
+            <a:endParaRPr lang="pt-BR" dirty="0" smtClean="0"/>
           </a:p>
           <a:p>
             <a:r>
@@ -6375,7 +6513,15 @@
             </a:r>
             <a:r>
               <a:rPr lang="pt-BR" dirty="0" smtClean="0"/>
-              <a:t>- definir esquema de atrito</a:t>
+              <a:t>- ainda não tem uma habilidade definida então </a:t>
+            </a:r>
+            <a:r>
+              <a:rPr lang="pt-BR" dirty="0"/>
+              <a:t>v</a:t>
+            </a:r>
+            <a:r>
+              <a:rPr lang="pt-BR" dirty="0" smtClean="0"/>
+              <a:t>amos programar e deixar pronto um pulo duplo</a:t>
             </a:r>
           </a:p>
           <a:p>
@@ -6385,7 +6531,7 @@
             </a:r>
             <a:r>
               <a:rPr lang="pt-BR" dirty="0" smtClean="0"/>
-              <a:t>- identificação de colisão com o chão</a:t>
+              <a:t>- criar desenhos para espetos, fogo, choque</a:t>
             </a:r>
           </a:p>
           <a:p>
@@ -6395,7 +6541,7 @@
             </a:r>
             <a:r>
               <a:rPr lang="pt-BR" dirty="0" smtClean="0"/>
-              <a:t>- criar espetos</a:t>
+              <a:t>-criar a IA do inimigo fazendo ele andar</a:t>
             </a:r>
           </a:p>
           <a:p>
@@ -6405,100 +6551,15 @@
             </a:r>
             <a:r>
               <a:rPr lang="pt-BR" dirty="0" smtClean="0"/>
-              <a:t>- criar um inimigo</a:t>
-            </a:r>
-          </a:p>
-          <a:p>
-            <a:r>
-              <a:rPr lang="pt-BR" dirty="0"/>
-              <a:t>	</a:t>
+              <a:t>- fazer o controle por game </a:t>
+            </a:r>
+            <a:r>
+              <a:rPr lang="pt-BR" dirty="0" err="1" smtClean="0"/>
+              <a:t>pad</a:t>
             </a:r>
             <a:r>
               <a:rPr lang="pt-BR" dirty="0" smtClean="0"/>
-              <a:t>- fazer um background pro menu</a:t>
-            </a:r>
-          </a:p>
-          <a:p>
-            <a:endParaRPr lang="pt-BR" dirty="0" smtClean="0"/>
-          </a:p>
-          <a:p>
-            <a:r>
-              <a:rPr lang="pt-BR" dirty="0" smtClean="0"/>
-              <a:t>	</a:t>
-            </a:r>
-            <a:endParaRPr lang="pt-BR" dirty="0"/>
-          </a:p>
-        </p:txBody>
-      </p:sp>
-      <p:sp>
-        <p:nvSpPr>
-          <p:cNvPr id="7" name="CaixaDeTexto 6"/>
-          <p:cNvSpPr txBox="1"/>
-          <p:nvPr/>
-        </p:nvSpPr>
-        <p:spPr>
-          <a:xfrm>
-            <a:off x="6308521" y="4487003"/>
-            <a:ext cx="4721012" cy="1200329"/>
-          </a:xfrm>
-          <a:prstGeom prst="rect">
-            <a:avLst/>
-          </a:prstGeom>
-          <a:noFill/>
-        </p:spPr>
-        <p:txBody>
-          <a:bodyPr wrap="square" rtlCol="0">
-            <a:spAutoFit/>
-          </a:bodyPr>
-          <a:lstStyle/>
-          <a:p>
-            <a:r>
-              <a:rPr lang="pt-BR" dirty="0" smtClean="0"/>
-              <a:t>Terceiro ciclo:</a:t>
-            </a:r>
-          </a:p>
-          <a:p>
-            <a:r>
-              <a:rPr lang="pt-BR" dirty="0" smtClean="0"/>
-              <a:t>	-</a:t>
-            </a:r>
-            <a:r>
-              <a:rPr lang="pt-BR" dirty="0" err="1" smtClean="0"/>
-              <a:t>backgrund</a:t>
-            </a:r>
-            <a:r>
-              <a:rPr lang="pt-BR" dirty="0" smtClean="0"/>
-              <a:t> do primeiro </a:t>
-            </a:r>
-            <a:r>
-              <a:rPr lang="pt-BR" dirty="0" err="1" smtClean="0"/>
-              <a:t>level</a:t>
-            </a:r>
-            <a:endParaRPr lang="pt-BR" dirty="0" smtClean="0"/>
-          </a:p>
-          <a:p>
-            <a:r>
-              <a:rPr lang="pt-BR" dirty="0"/>
-              <a:t>	</a:t>
-            </a:r>
-            <a:r>
-              <a:rPr lang="pt-BR" dirty="0" smtClean="0"/>
-              <a:t>-animação </a:t>
-            </a:r>
-            <a:r>
-              <a:rPr lang="pt-BR" dirty="0" err="1" smtClean="0"/>
-              <a:t>idle</a:t>
-            </a:r>
-            <a:endParaRPr lang="pt-BR" dirty="0" smtClean="0"/>
-          </a:p>
-          <a:p>
-            <a:r>
-              <a:rPr lang="pt-BR" dirty="0"/>
-              <a:t>	</a:t>
-            </a:r>
-            <a:r>
-              <a:rPr lang="pt-BR" dirty="0" smtClean="0"/>
-              <a:t>...</a:t>
+              <a:t> e mouse funcionar nos menus.</a:t>
             </a:r>
             <a:endParaRPr lang="pt-BR" dirty="0"/>
           </a:p>

--- a/GDD/Ciclo de trabalho.pptx
+++ b/GDD/Ciclo de trabalho.pptx
@@ -3479,7 +3479,7 @@
           <a:p>
             <a:fld id="{033C220F-AFE8-4CCC-95E1-E0424241E150}" type="datetimeFigureOut">
               <a:rPr lang="pt-BR" smtClean="0"/>
-              <a:t>13/09/2017</a:t>
+              <a:t>14/09/2017</a:t>
             </a:fld>
             <a:endParaRPr lang="pt-BR"/>
           </a:p>
@@ -3649,7 +3649,7 @@
           <a:p>
             <a:fld id="{033C220F-AFE8-4CCC-95E1-E0424241E150}" type="datetimeFigureOut">
               <a:rPr lang="pt-BR" smtClean="0"/>
-              <a:t>13/09/2017</a:t>
+              <a:t>14/09/2017</a:t>
             </a:fld>
             <a:endParaRPr lang="pt-BR"/>
           </a:p>
@@ -3829,7 +3829,7 @@
           <a:p>
             <a:fld id="{033C220F-AFE8-4CCC-95E1-E0424241E150}" type="datetimeFigureOut">
               <a:rPr lang="pt-BR" smtClean="0"/>
-              <a:t>13/09/2017</a:t>
+              <a:t>14/09/2017</a:t>
             </a:fld>
             <a:endParaRPr lang="pt-BR"/>
           </a:p>
@@ -3999,7 +3999,7 @@
           <a:p>
             <a:fld id="{033C220F-AFE8-4CCC-95E1-E0424241E150}" type="datetimeFigureOut">
               <a:rPr lang="pt-BR" smtClean="0"/>
-              <a:t>13/09/2017</a:t>
+              <a:t>14/09/2017</a:t>
             </a:fld>
             <a:endParaRPr lang="pt-BR"/>
           </a:p>
@@ -4245,7 +4245,7 @@
           <a:p>
             <a:fld id="{033C220F-AFE8-4CCC-95E1-E0424241E150}" type="datetimeFigureOut">
               <a:rPr lang="pt-BR" smtClean="0"/>
-              <a:t>13/09/2017</a:t>
+              <a:t>14/09/2017</a:t>
             </a:fld>
             <a:endParaRPr lang="pt-BR"/>
           </a:p>
@@ -4477,7 +4477,7 @@
           <a:p>
             <a:fld id="{033C220F-AFE8-4CCC-95E1-E0424241E150}" type="datetimeFigureOut">
               <a:rPr lang="pt-BR" smtClean="0"/>
-              <a:t>13/09/2017</a:t>
+              <a:t>14/09/2017</a:t>
             </a:fld>
             <a:endParaRPr lang="pt-BR"/>
           </a:p>
@@ -4844,7 +4844,7 @@
           <a:p>
             <a:fld id="{033C220F-AFE8-4CCC-95E1-E0424241E150}" type="datetimeFigureOut">
               <a:rPr lang="pt-BR" smtClean="0"/>
-              <a:t>13/09/2017</a:t>
+              <a:t>14/09/2017</a:t>
             </a:fld>
             <a:endParaRPr lang="pt-BR"/>
           </a:p>
@@ -4962,7 +4962,7 @@
           <a:p>
             <a:fld id="{033C220F-AFE8-4CCC-95E1-E0424241E150}" type="datetimeFigureOut">
               <a:rPr lang="pt-BR" smtClean="0"/>
-              <a:t>13/09/2017</a:t>
+              <a:t>14/09/2017</a:t>
             </a:fld>
             <a:endParaRPr lang="pt-BR"/>
           </a:p>
@@ -5057,7 +5057,7 @@
           <a:p>
             <a:fld id="{033C220F-AFE8-4CCC-95E1-E0424241E150}" type="datetimeFigureOut">
               <a:rPr lang="pt-BR" smtClean="0"/>
-              <a:t>13/09/2017</a:t>
+              <a:t>14/09/2017</a:t>
             </a:fld>
             <a:endParaRPr lang="pt-BR"/>
           </a:p>
@@ -5334,7 +5334,7 @@
           <a:p>
             <a:fld id="{033C220F-AFE8-4CCC-95E1-E0424241E150}" type="datetimeFigureOut">
               <a:rPr lang="pt-BR" smtClean="0"/>
-              <a:t>13/09/2017</a:t>
+              <a:t>14/09/2017</a:t>
             </a:fld>
             <a:endParaRPr lang="pt-BR"/>
           </a:p>
@@ -5587,7 +5587,7 @@
           <a:p>
             <a:fld id="{033C220F-AFE8-4CCC-95E1-E0424241E150}" type="datetimeFigureOut">
               <a:rPr lang="pt-BR" smtClean="0"/>
-              <a:t>13/09/2017</a:t>
+              <a:t>14/09/2017</a:t>
             </a:fld>
             <a:endParaRPr lang="pt-BR"/>
           </a:p>
@@ -5800,7 +5800,7 @@
           <a:p>
             <a:fld id="{033C220F-AFE8-4CCC-95E1-E0424241E150}" type="datetimeFigureOut">
               <a:rPr lang="pt-BR" smtClean="0"/>
-              <a:t>13/09/2017</a:t>
+              <a:t>14/09/2017</a:t>
             </a:fld>
             <a:endParaRPr lang="pt-BR"/>
           </a:p>
@@ -6330,7 +6330,7 @@
         <p:spPr>
           <a:xfrm>
             <a:off x="6308521" y="2256721"/>
-            <a:ext cx="6165908" cy="2862322"/>
+            <a:ext cx="6165908" cy="3139321"/>
           </a:xfrm>
           <a:prstGeom prst="rect">
             <a:avLst/>
@@ -6394,7 +6394,7 @@
               <a:t>	</a:t>
             </a:r>
             <a:r>
-              <a:rPr lang="pt-BR" dirty="0" smtClean="0"/>
+              <a:rPr lang="pt-BR" strike="sngStrike" dirty="0" smtClean="0"/>
               <a:t>- criar espetos</a:t>
             </a:r>
           </a:p>
@@ -6404,9 +6404,24 @@
               <a:t>	</a:t>
             </a:r>
             <a:r>
-              <a:rPr lang="pt-BR" dirty="0" smtClean="0"/>
-              <a:t>- criar um inimigo</a:t>
-            </a:r>
+              <a:rPr lang="pt-BR" strike="sngStrike" dirty="0" smtClean="0"/>
+              <a:t>- criar um </a:t>
+            </a:r>
+            <a:r>
+              <a:rPr lang="pt-BR" strike="sngStrike" dirty="0" smtClean="0"/>
+              <a:t>inimigo</a:t>
+            </a:r>
+          </a:p>
+          <a:p>
+            <a:r>
+              <a:rPr lang="pt-BR" strike="sngStrike" dirty="0" smtClean="0"/>
+              <a:t>	- inserir controle de </a:t>
+            </a:r>
+            <a:r>
+              <a:rPr lang="pt-BR" strike="sngStrike" dirty="0" err="1" smtClean="0"/>
+              <a:t>gamepad</a:t>
+            </a:r>
+            <a:endParaRPr lang="pt-BR" strike="sngStrike" dirty="0" smtClean="0"/>
           </a:p>
           <a:p>
             <a:r>
@@ -6438,7 +6453,7 @@
         </p:nvSpPr>
         <p:spPr>
           <a:xfrm>
-            <a:off x="6308520" y="4487003"/>
+            <a:off x="6400799" y="4709425"/>
             <a:ext cx="5883479" cy="2862322"/>
           </a:xfrm>
           <a:prstGeom prst="rect">
@@ -6498,30 +6513,13 @@
             </a:r>
             <a:r>
               <a:rPr lang="pt-BR" dirty="0" smtClean="0"/>
-              <a:t>- inserir controle de </a:t>
-            </a:r>
-            <a:r>
-              <a:rPr lang="pt-BR" dirty="0" err="1" smtClean="0"/>
-              <a:t>gamepad</a:t>
-            </a:r>
-            <a:endParaRPr lang="pt-BR" dirty="0" smtClean="0"/>
-          </a:p>
-          <a:p>
-            <a:r>
-              <a:rPr lang="pt-BR" dirty="0"/>
-              <a:t>	</a:t>
-            </a:r>
+              <a:t>- Melhorar percepção do pulo</a:t>
+            </a:r>
+          </a:p>
+          <a:p>
             <a:r>
               <a:rPr lang="pt-BR" dirty="0" smtClean="0"/>
-              <a:t>- ainda não tem uma habilidade definida então </a:t>
-            </a:r>
-            <a:r>
-              <a:rPr lang="pt-BR" dirty="0"/>
-              <a:t>v</a:t>
-            </a:r>
-            <a:r>
-              <a:rPr lang="pt-BR" dirty="0" smtClean="0"/>
-              <a:t>amos programar e deixar pronto um pulo duplo</a:t>
+              <a:t>	- ainda não tem uma habilidade definida então vamos programar e deixar pronto um pulo duplo</a:t>
             </a:r>
           </a:p>
           <a:p>

--- a/GDD/Ciclo de trabalho.pptx
+++ b/GDD/Ciclo de trabalho.pptx
@@ -3479,7 +3479,7 @@
           <a:p>
             <a:fld id="{033C220F-AFE8-4CCC-95E1-E0424241E150}" type="datetimeFigureOut">
               <a:rPr lang="pt-BR" smtClean="0"/>
-              <a:t>14/09/2017</a:t>
+              <a:t>19/09/2017</a:t>
             </a:fld>
             <a:endParaRPr lang="pt-BR"/>
           </a:p>
@@ -3649,7 +3649,7 @@
           <a:p>
             <a:fld id="{033C220F-AFE8-4CCC-95E1-E0424241E150}" type="datetimeFigureOut">
               <a:rPr lang="pt-BR" smtClean="0"/>
-              <a:t>14/09/2017</a:t>
+              <a:t>19/09/2017</a:t>
             </a:fld>
             <a:endParaRPr lang="pt-BR"/>
           </a:p>
@@ -3829,7 +3829,7 @@
           <a:p>
             <a:fld id="{033C220F-AFE8-4CCC-95E1-E0424241E150}" type="datetimeFigureOut">
               <a:rPr lang="pt-BR" smtClean="0"/>
-              <a:t>14/09/2017</a:t>
+              <a:t>19/09/2017</a:t>
             </a:fld>
             <a:endParaRPr lang="pt-BR"/>
           </a:p>
@@ -3999,7 +3999,7 @@
           <a:p>
             <a:fld id="{033C220F-AFE8-4CCC-95E1-E0424241E150}" type="datetimeFigureOut">
               <a:rPr lang="pt-BR" smtClean="0"/>
-              <a:t>14/09/2017</a:t>
+              <a:t>19/09/2017</a:t>
             </a:fld>
             <a:endParaRPr lang="pt-BR"/>
           </a:p>
@@ -4245,7 +4245,7 @@
           <a:p>
             <a:fld id="{033C220F-AFE8-4CCC-95E1-E0424241E150}" type="datetimeFigureOut">
               <a:rPr lang="pt-BR" smtClean="0"/>
-              <a:t>14/09/2017</a:t>
+              <a:t>19/09/2017</a:t>
             </a:fld>
             <a:endParaRPr lang="pt-BR"/>
           </a:p>
@@ -4477,7 +4477,7 @@
           <a:p>
             <a:fld id="{033C220F-AFE8-4CCC-95E1-E0424241E150}" type="datetimeFigureOut">
               <a:rPr lang="pt-BR" smtClean="0"/>
-              <a:t>14/09/2017</a:t>
+              <a:t>19/09/2017</a:t>
             </a:fld>
             <a:endParaRPr lang="pt-BR"/>
           </a:p>
@@ -4844,7 +4844,7 @@
           <a:p>
             <a:fld id="{033C220F-AFE8-4CCC-95E1-E0424241E150}" type="datetimeFigureOut">
               <a:rPr lang="pt-BR" smtClean="0"/>
-              <a:t>14/09/2017</a:t>
+              <a:t>19/09/2017</a:t>
             </a:fld>
             <a:endParaRPr lang="pt-BR"/>
           </a:p>
@@ -4962,7 +4962,7 @@
           <a:p>
             <a:fld id="{033C220F-AFE8-4CCC-95E1-E0424241E150}" type="datetimeFigureOut">
               <a:rPr lang="pt-BR" smtClean="0"/>
-              <a:t>14/09/2017</a:t>
+              <a:t>19/09/2017</a:t>
             </a:fld>
             <a:endParaRPr lang="pt-BR"/>
           </a:p>
@@ -5057,7 +5057,7 @@
           <a:p>
             <a:fld id="{033C220F-AFE8-4CCC-95E1-E0424241E150}" type="datetimeFigureOut">
               <a:rPr lang="pt-BR" smtClean="0"/>
-              <a:t>14/09/2017</a:t>
+              <a:t>19/09/2017</a:t>
             </a:fld>
             <a:endParaRPr lang="pt-BR"/>
           </a:p>
@@ -5334,7 +5334,7 @@
           <a:p>
             <a:fld id="{033C220F-AFE8-4CCC-95E1-E0424241E150}" type="datetimeFigureOut">
               <a:rPr lang="pt-BR" smtClean="0"/>
-              <a:t>14/09/2017</a:t>
+              <a:t>19/09/2017</a:t>
             </a:fld>
             <a:endParaRPr lang="pt-BR"/>
           </a:p>
@@ -5587,7 +5587,7 @@
           <a:p>
             <a:fld id="{033C220F-AFE8-4CCC-95E1-E0424241E150}" type="datetimeFigureOut">
               <a:rPr lang="pt-BR" smtClean="0"/>
-              <a:t>14/09/2017</a:t>
+              <a:t>19/09/2017</a:t>
             </a:fld>
             <a:endParaRPr lang="pt-BR"/>
           </a:p>
@@ -5800,7 +5800,7 @@
           <a:p>
             <a:fld id="{033C220F-AFE8-4CCC-95E1-E0424241E150}" type="datetimeFigureOut">
               <a:rPr lang="pt-BR" smtClean="0"/>
-              <a:t>14/09/2017</a:t>
+              <a:t>19/09/2017</a:t>
             </a:fld>
             <a:endParaRPr lang="pt-BR"/>
           </a:p>
@@ -6330,7 +6330,7 @@
         <p:spPr>
           <a:xfrm>
             <a:off x="6308521" y="2256721"/>
-            <a:ext cx="6165908" cy="3139321"/>
+            <a:ext cx="6165908" cy="3416320"/>
           </a:xfrm>
           <a:prstGeom prst="rect">
             <a:avLst/>
@@ -6405,11 +6405,7 @@
             </a:r>
             <a:r>
               <a:rPr lang="pt-BR" strike="sngStrike" dirty="0" smtClean="0"/>
-              <a:t>- criar um </a:t>
-            </a:r>
-            <a:r>
-              <a:rPr lang="pt-BR" strike="sngStrike" dirty="0" smtClean="0"/>
-              <a:t>inimigo</a:t>
+              <a:t>- criar um inimigo</a:t>
             </a:r>
           </a:p>
           <a:p>
@@ -6429,9 +6425,12 @@
               <a:t>	</a:t>
             </a:r>
             <a:r>
-              <a:rPr lang="pt-BR" dirty="0" smtClean="0"/>
-              <a:t>- fazer um background pro menu</a:t>
-            </a:r>
+              <a:rPr lang="pt-BR" strike="sngStrike" dirty="0" smtClean="0"/>
+              <a:t>- Fazer um UI com as vidas do personagem</a:t>
+            </a:r>
+          </a:p>
+          <a:p>
+            <a:endParaRPr lang="pt-BR" dirty="0" smtClean="0"/>
           </a:p>
           <a:p>
             <a:endParaRPr lang="pt-BR" dirty="0" smtClean="0"/>
@@ -6475,21 +6474,25 @@
           <a:p>
             <a:r>
               <a:rPr lang="pt-BR" dirty="0" smtClean="0"/>
-              <a:t>	-</a:t>
-            </a:r>
-            <a:r>
-              <a:rPr lang="pt-BR" dirty="0" err="1" smtClean="0"/>
+              <a:t>	</a:t>
+            </a:r>
+            <a:r>
+              <a:rPr lang="pt-BR" strike="sngStrike" dirty="0" smtClean="0"/>
+              <a:t>-</a:t>
+            </a:r>
+            <a:r>
+              <a:rPr lang="pt-BR" strike="sngStrike" dirty="0" err="1" smtClean="0"/>
               <a:t>backgrund</a:t>
             </a:r>
             <a:r>
-              <a:rPr lang="pt-BR" dirty="0" smtClean="0"/>
+              <a:rPr lang="pt-BR" strike="sngStrike" dirty="0" smtClean="0"/>
               <a:t> do primeiro </a:t>
             </a:r>
             <a:r>
-              <a:rPr lang="pt-BR" dirty="0" err="1" smtClean="0"/>
+              <a:rPr lang="pt-BR" strike="sngStrike" dirty="0" err="1" smtClean="0"/>
               <a:t>level</a:t>
             </a:r>
-            <a:endParaRPr lang="pt-BR" dirty="0" smtClean="0"/>
+            <a:endParaRPr lang="pt-BR" strike="sngStrike" dirty="0" smtClean="0"/>
           </a:p>
           <a:p>
             <a:r>

--- a/GDD/Ciclo de trabalho.pptx
+++ b/GDD/Ciclo de trabalho.pptx
@@ -1322,15 +1322,15 @@
       </dsp:nvSpPr>
       <dsp:spPr>
         <a:xfrm>
-          <a:off x="1235049" y="-17769"/>
-          <a:ext cx="5592016" cy="5592016"/>
+          <a:off x="946638" y="-17043"/>
+          <a:ext cx="4886309" cy="4886309"/>
         </a:xfrm>
         <a:prstGeom prst="circularArrow">
           <a:avLst>
             <a:gd name="adj1" fmla="val 5544"/>
             <a:gd name="adj2" fmla="val 330680"/>
-            <a:gd name="adj3" fmla="val 14501840"/>
-            <a:gd name="adj4" fmla="val 16958206"/>
+            <a:gd name="adj3" fmla="val 14517858"/>
+            <a:gd name="adj4" fmla="val 16949042"/>
             <a:gd name="adj5" fmla="val 5757"/>
           </a:avLst>
         </a:prstGeom>
@@ -1368,8 +1368,8 @@
       </dsp:nvSpPr>
       <dsp:spPr>
         <a:xfrm>
-          <a:off x="3151979" y="19685"/>
-          <a:ext cx="1758156" cy="879078"/>
+          <a:off x="2630294" y="16750"/>
+          <a:ext cx="1518997" cy="759498"/>
         </a:xfrm>
         <a:prstGeom prst="roundRect">
           <a:avLst/>
@@ -1411,12 +1411,12 @@
         </a:fontRef>
       </dsp:style>
       <dsp:txBody>
-        <a:bodyPr spcFirstLastPara="0" vert="horz" wrap="square" lIns="87630" tIns="87630" rIns="87630" bIns="87630" numCol="1" spcCol="1270" anchor="ctr" anchorCtr="0">
+        <a:bodyPr spcFirstLastPara="0" vert="horz" wrap="square" lIns="76200" tIns="76200" rIns="76200" bIns="76200" numCol="1" spcCol="1270" anchor="ctr" anchorCtr="0">
           <a:noAutofit/>
         </a:bodyPr>
         <a:lstStyle/>
         <a:p>
-          <a:pPr lvl="0" algn="ctr" defTabSz="1022350">
+          <a:pPr lvl="0" algn="ctr" defTabSz="889000">
             <a:lnSpc>
               <a:spcPct val="90000"/>
             </a:lnSpc>
@@ -1428,15 +1428,15 @@
             </a:spcAft>
           </a:pPr>
           <a:r>
-            <a:rPr lang="pt-BR" sz="2300" kern="1200" dirty="0" smtClean="0"/>
+            <a:rPr lang="pt-BR" sz="2000" kern="1200" dirty="0" smtClean="0"/>
             <a:t>Mundo</a:t>
           </a:r>
-          <a:endParaRPr lang="pt-BR" sz="2300" kern="1200" dirty="0"/>
+          <a:endParaRPr lang="pt-BR" sz="2000" kern="1200" dirty="0"/>
         </a:p>
       </dsp:txBody>
       <dsp:txXfrm>
-        <a:off x="3194892" y="62598"/>
-        <a:ext cx="1672330" cy="793252"/>
+        <a:off x="2667370" y="53826"/>
+        <a:ext cx="1444845" cy="685346"/>
       </dsp:txXfrm>
     </dsp:sp>
     <dsp:sp modelId="{90D0D70D-D3A1-45A4-918B-982BB4D59ADC}">
@@ -1446,8 +1446,8 @@
       </dsp:nvSpPr>
       <dsp:spPr>
         <a:xfrm>
-          <a:off x="5049320" y="901063"/>
-          <a:ext cx="1758156" cy="879078"/>
+          <a:off x="4288192" y="786899"/>
+          <a:ext cx="1518997" cy="759498"/>
         </a:xfrm>
         <a:prstGeom prst="roundRect">
           <a:avLst/>
@@ -1489,12 +1489,12 @@
         </a:fontRef>
       </dsp:style>
       <dsp:txBody>
-        <a:bodyPr spcFirstLastPara="0" vert="horz" wrap="square" lIns="87630" tIns="87630" rIns="87630" bIns="87630" numCol="1" spcCol="1270" anchor="ctr" anchorCtr="0">
+        <a:bodyPr spcFirstLastPara="0" vert="horz" wrap="square" lIns="76200" tIns="76200" rIns="76200" bIns="76200" numCol="1" spcCol="1270" anchor="ctr" anchorCtr="0">
           <a:noAutofit/>
         </a:bodyPr>
         <a:lstStyle/>
         <a:p>
-          <a:pPr lvl="0" algn="ctr" defTabSz="1022350">
+          <a:pPr lvl="0" algn="ctr" defTabSz="889000">
             <a:lnSpc>
               <a:spcPct val="90000"/>
             </a:lnSpc>
@@ -1506,15 +1506,15 @@
             </a:spcAft>
           </a:pPr>
           <a:r>
-            <a:rPr lang="pt-BR" sz="2300" kern="1200" dirty="0" smtClean="0"/>
+            <a:rPr lang="pt-BR" sz="2000" kern="1200" dirty="0" smtClean="0"/>
             <a:t>Personagem</a:t>
           </a:r>
-          <a:endParaRPr lang="pt-BR" sz="2300" kern="1200" dirty="0"/>
+          <a:endParaRPr lang="pt-BR" sz="2000" kern="1200" dirty="0"/>
         </a:p>
       </dsp:txBody>
       <dsp:txXfrm>
-        <a:off x="5092233" y="943976"/>
-        <a:ext cx="1672330" cy="793252"/>
+        <a:off x="4325268" y="823975"/>
+        <a:ext cx="1444845" cy="685346"/>
       </dsp:txXfrm>
     </dsp:sp>
     <dsp:sp modelId="{C8EC1AB9-E882-456E-A861-F133D58F334B}">
@@ -1524,8 +1524,8 @@
       </dsp:nvSpPr>
       <dsp:spPr>
         <a:xfrm>
-          <a:off x="5509788" y="2918507"/>
-          <a:ext cx="1758156" cy="879078"/>
+          <a:off x="4690550" y="2549744"/>
+          <a:ext cx="1518997" cy="759498"/>
         </a:xfrm>
         <a:prstGeom prst="roundRect">
           <a:avLst/>
@@ -1567,12 +1567,12 @@
         </a:fontRef>
       </dsp:style>
       <dsp:txBody>
-        <a:bodyPr spcFirstLastPara="0" vert="horz" wrap="square" lIns="87630" tIns="87630" rIns="87630" bIns="87630" numCol="1" spcCol="1270" anchor="ctr" anchorCtr="0">
+        <a:bodyPr spcFirstLastPara="0" vert="horz" wrap="square" lIns="76200" tIns="76200" rIns="76200" bIns="76200" numCol="1" spcCol="1270" anchor="ctr" anchorCtr="0">
           <a:noAutofit/>
         </a:bodyPr>
         <a:lstStyle/>
         <a:p>
-          <a:pPr lvl="0" algn="ctr" defTabSz="1022350">
+          <a:pPr lvl="0" algn="ctr" defTabSz="889000">
             <a:lnSpc>
               <a:spcPct val="90000"/>
             </a:lnSpc>
@@ -1584,15 +1584,15 @@
             </a:spcAft>
           </a:pPr>
           <a:r>
-            <a:rPr lang="pt-BR" sz="2300" kern="1200" dirty="0" smtClean="0"/>
+            <a:rPr lang="pt-BR" sz="2000" kern="1200" dirty="0" smtClean="0"/>
             <a:t>Controles</a:t>
           </a:r>
-          <a:endParaRPr lang="pt-BR" sz="2300" kern="1200" dirty="0"/>
+          <a:endParaRPr lang="pt-BR" sz="2000" kern="1200" dirty="0"/>
         </a:p>
       </dsp:txBody>
       <dsp:txXfrm>
-        <a:off x="5552701" y="2961420"/>
-        <a:ext cx="1672330" cy="793252"/>
+        <a:off x="4727626" y="2586820"/>
+        <a:ext cx="1444845" cy="685346"/>
       </dsp:txXfrm>
     </dsp:sp>
     <dsp:sp modelId="{51F19B06-1BC5-4226-97D5-B1E0478F73EB}">
@@ -1602,8 +1602,8 @@
       </dsp:nvSpPr>
       <dsp:spPr>
         <a:xfrm>
-          <a:off x="4219584" y="4536372"/>
-          <a:ext cx="1758156" cy="879078"/>
+          <a:off x="3563169" y="3963436"/>
+          <a:ext cx="1518997" cy="759498"/>
         </a:xfrm>
         <a:prstGeom prst="roundRect">
           <a:avLst/>
@@ -1645,12 +1645,12 @@
         </a:fontRef>
       </dsp:style>
       <dsp:txBody>
-        <a:bodyPr spcFirstLastPara="0" vert="horz" wrap="square" lIns="87630" tIns="87630" rIns="87630" bIns="87630" numCol="1" spcCol="1270" anchor="ctr" anchorCtr="0">
+        <a:bodyPr spcFirstLastPara="0" vert="horz" wrap="square" lIns="76200" tIns="76200" rIns="76200" bIns="76200" numCol="1" spcCol="1270" anchor="ctr" anchorCtr="0">
           <a:noAutofit/>
         </a:bodyPr>
         <a:lstStyle/>
         <a:p>
-          <a:pPr lvl="0" algn="ctr" defTabSz="1022350">
+          <a:pPr lvl="0" algn="ctr" defTabSz="889000">
             <a:lnSpc>
               <a:spcPct val="90000"/>
             </a:lnSpc>
@@ -1662,15 +1662,15 @@
             </a:spcAft>
           </a:pPr>
           <a:r>
-            <a:rPr lang="pt-BR" sz="2300" kern="1200" dirty="0" smtClean="0"/>
+            <a:rPr lang="pt-BR" sz="2000" kern="1200" dirty="0" smtClean="0"/>
             <a:t>Habilidades</a:t>
           </a:r>
-          <a:endParaRPr lang="pt-BR" sz="2300" kern="1200" dirty="0"/>
+          <a:endParaRPr lang="pt-BR" sz="2000" kern="1200" dirty="0"/>
         </a:p>
       </dsp:txBody>
       <dsp:txXfrm>
-        <a:off x="4262497" y="4579285"/>
-        <a:ext cx="1672330" cy="793252"/>
+        <a:off x="3600245" y="4000512"/>
+        <a:ext cx="1444845" cy="685346"/>
       </dsp:txXfrm>
     </dsp:sp>
     <dsp:sp modelId="{11B3B5C0-DE0F-4653-9724-38A485F5C155}">
@@ -1680,8 +1680,8 @@
       </dsp:nvSpPr>
       <dsp:spPr>
         <a:xfrm>
-          <a:off x="2150258" y="4536372"/>
-          <a:ext cx="1758156" cy="879078"/>
+          <a:off x="1754989" y="3963436"/>
+          <a:ext cx="1518997" cy="759498"/>
         </a:xfrm>
         <a:prstGeom prst="roundRect">
           <a:avLst/>
@@ -1723,12 +1723,12 @@
         </a:fontRef>
       </dsp:style>
       <dsp:txBody>
-        <a:bodyPr spcFirstLastPara="0" vert="horz" wrap="square" lIns="87630" tIns="87630" rIns="87630" bIns="87630" numCol="1" spcCol="1270" anchor="ctr" anchorCtr="0">
+        <a:bodyPr spcFirstLastPara="0" vert="horz" wrap="square" lIns="76200" tIns="76200" rIns="76200" bIns="76200" numCol="1" spcCol="1270" anchor="ctr" anchorCtr="0">
           <a:noAutofit/>
         </a:bodyPr>
         <a:lstStyle/>
         <a:p>
-          <a:pPr lvl="0" algn="ctr" defTabSz="1022350">
+          <a:pPr lvl="0" algn="ctr" defTabSz="889000">
             <a:lnSpc>
               <a:spcPct val="90000"/>
             </a:lnSpc>
@@ -1740,15 +1740,15 @@
             </a:spcAft>
           </a:pPr>
           <a:r>
-            <a:rPr lang="pt-BR" sz="2300" kern="1200" dirty="0" smtClean="0"/>
+            <a:rPr lang="pt-BR" sz="2000" kern="1200" dirty="0" smtClean="0"/>
             <a:t>Perigos</a:t>
           </a:r>
-          <a:endParaRPr lang="pt-BR" sz="2300" kern="1200" dirty="0"/>
+          <a:endParaRPr lang="pt-BR" sz="2000" kern="1200" dirty="0"/>
         </a:p>
       </dsp:txBody>
       <dsp:txXfrm>
-        <a:off x="2193171" y="4579285"/>
-        <a:ext cx="1672330" cy="793252"/>
+        <a:off x="1792065" y="4000512"/>
+        <a:ext cx="1444845" cy="685346"/>
       </dsp:txXfrm>
     </dsp:sp>
     <dsp:sp modelId="{3AD4BDFD-7BF9-46C9-9579-978AA34A66E6}">
@@ -1758,8 +1758,8 @@
       </dsp:nvSpPr>
       <dsp:spPr>
         <a:xfrm>
-          <a:off x="860055" y="2918507"/>
-          <a:ext cx="1758156" cy="879078"/>
+          <a:off x="627608" y="2549744"/>
+          <a:ext cx="1518997" cy="759498"/>
         </a:xfrm>
         <a:prstGeom prst="roundRect">
           <a:avLst/>
@@ -1801,12 +1801,12 @@
         </a:fontRef>
       </dsp:style>
       <dsp:txBody>
-        <a:bodyPr spcFirstLastPara="0" vert="horz" wrap="square" lIns="87630" tIns="87630" rIns="87630" bIns="87630" numCol="1" spcCol="1270" anchor="ctr" anchorCtr="0">
+        <a:bodyPr spcFirstLastPara="0" vert="horz" wrap="square" lIns="76200" tIns="76200" rIns="76200" bIns="76200" numCol="1" spcCol="1270" anchor="ctr" anchorCtr="0">
           <a:noAutofit/>
         </a:bodyPr>
         <a:lstStyle/>
         <a:p>
-          <a:pPr lvl="0" algn="ctr" defTabSz="1022350">
+          <a:pPr lvl="0" algn="ctr" defTabSz="889000">
             <a:lnSpc>
               <a:spcPct val="90000"/>
             </a:lnSpc>
@@ -1818,15 +1818,15 @@
             </a:spcAft>
           </a:pPr>
           <a:r>
-            <a:rPr lang="pt-BR" sz="2300" kern="1200" dirty="0" smtClean="0"/>
+            <a:rPr lang="pt-BR" sz="2000" kern="1200" dirty="0" smtClean="0"/>
             <a:t>Inimigos</a:t>
           </a:r>
-          <a:endParaRPr lang="pt-BR" sz="2300" kern="1200" dirty="0"/>
+          <a:endParaRPr lang="pt-BR" sz="2000" kern="1200" dirty="0"/>
         </a:p>
       </dsp:txBody>
       <dsp:txXfrm>
-        <a:off x="902968" y="2961420"/>
-        <a:ext cx="1672330" cy="793252"/>
+        <a:off x="664684" y="2586820"/>
+        <a:ext cx="1444845" cy="685346"/>
       </dsp:txXfrm>
     </dsp:sp>
     <dsp:sp modelId="{C26B5CE8-72F9-43AF-8825-44853FB96962}">
@@ -1836,8 +1836,8 @@
       </dsp:nvSpPr>
       <dsp:spPr>
         <a:xfrm>
-          <a:off x="1320523" y="901063"/>
-          <a:ext cx="1758156" cy="879078"/>
+          <a:off x="1029966" y="786899"/>
+          <a:ext cx="1518997" cy="759498"/>
         </a:xfrm>
         <a:prstGeom prst="roundRect">
           <a:avLst/>
@@ -1879,12 +1879,12 @@
         </a:fontRef>
       </dsp:style>
       <dsp:txBody>
-        <a:bodyPr spcFirstLastPara="0" vert="horz" wrap="square" lIns="87630" tIns="87630" rIns="87630" bIns="87630" numCol="1" spcCol="1270" anchor="ctr" anchorCtr="0">
+        <a:bodyPr spcFirstLastPara="0" vert="horz" wrap="square" lIns="76200" tIns="76200" rIns="76200" bIns="76200" numCol="1" spcCol="1270" anchor="ctr" anchorCtr="0">
           <a:noAutofit/>
         </a:bodyPr>
         <a:lstStyle/>
         <a:p>
-          <a:pPr lvl="0" algn="ctr" defTabSz="1022350">
+          <a:pPr lvl="0" algn="ctr" defTabSz="889000">
             <a:lnSpc>
               <a:spcPct val="90000"/>
             </a:lnSpc>
@@ -1896,15 +1896,15 @@
             </a:spcAft>
           </a:pPr>
           <a:r>
-            <a:rPr lang="pt-BR" sz="2300" kern="1200" dirty="0" smtClean="0"/>
+            <a:rPr lang="pt-BR" sz="2000" kern="1200" dirty="0" smtClean="0"/>
             <a:t>Menus/UI</a:t>
           </a:r>
-          <a:endParaRPr lang="pt-BR" sz="2300" kern="1200" dirty="0"/>
+          <a:endParaRPr lang="pt-BR" sz="2000" kern="1200" dirty="0"/>
         </a:p>
       </dsp:txBody>
       <dsp:txXfrm>
-        <a:off x="1363436" y="943976"/>
-        <a:ext cx="1672330" cy="793252"/>
+        <a:off x="1067042" y="823975"/>
+        <a:ext cx="1444845" cy="685346"/>
       </dsp:txXfrm>
     </dsp:sp>
   </dsp:spTree>
@@ -3479,7 +3479,7 @@
           <a:p>
             <a:fld id="{033C220F-AFE8-4CCC-95E1-E0424241E150}" type="datetimeFigureOut">
               <a:rPr lang="pt-BR" smtClean="0"/>
-              <a:t>19/09/2017</a:t>
+              <a:t>29/09/2017</a:t>
             </a:fld>
             <a:endParaRPr lang="pt-BR"/>
           </a:p>
@@ -3649,7 +3649,7 @@
           <a:p>
             <a:fld id="{033C220F-AFE8-4CCC-95E1-E0424241E150}" type="datetimeFigureOut">
               <a:rPr lang="pt-BR" smtClean="0"/>
-              <a:t>19/09/2017</a:t>
+              <a:t>29/09/2017</a:t>
             </a:fld>
             <a:endParaRPr lang="pt-BR"/>
           </a:p>
@@ -3829,7 +3829,7 @@
           <a:p>
             <a:fld id="{033C220F-AFE8-4CCC-95E1-E0424241E150}" type="datetimeFigureOut">
               <a:rPr lang="pt-BR" smtClean="0"/>
-              <a:t>19/09/2017</a:t>
+              <a:t>29/09/2017</a:t>
             </a:fld>
             <a:endParaRPr lang="pt-BR"/>
           </a:p>
@@ -3999,7 +3999,7 @@
           <a:p>
             <a:fld id="{033C220F-AFE8-4CCC-95E1-E0424241E150}" type="datetimeFigureOut">
               <a:rPr lang="pt-BR" smtClean="0"/>
-              <a:t>19/09/2017</a:t>
+              <a:t>29/09/2017</a:t>
             </a:fld>
             <a:endParaRPr lang="pt-BR"/>
           </a:p>
@@ -4245,7 +4245,7 @@
           <a:p>
             <a:fld id="{033C220F-AFE8-4CCC-95E1-E0424241E150}" type="datetimeFigureOut">
               <a:rPr lang="pt-BR" smtClean="0"/>
-              <a:t>19/09/2017</a:t>
+              <a:t>29/09/2017</a:t>
             </a:fld>
             <a:endParaRPr lang="pt-BR"/>
           </a:p>
@@ -4477,7 +4477,7 @@
           <a:p>
             <a:fld id="{033C220F-AFE8-4CCC-95E1-E0424241E150}" type="datetimeFigureOut">
               <a:rPr lang="pt-BR" smtClean="0"/>
-              <a:t>19/09/2017</a:t>
+              <a:t>29/09/2017</a:t>
             </a:fld>
             <a:endParaRPr lang="pt-BR"/>
           </a:p>
@@ -4844,7 +4844,7 @@
           <a:p>
             <a:fld id="{033C220F-AFE8-4CCC-95E1-E0424241E150}" type="datetimeFigureOut">
               <a:rPr lang="pt-BR" smtClean="0"/>
-              <a:t>19/09/2017</a:t>
+              <a:t>29/09/2017</a:t>
             </a:fld>
             <a:endParaRPr lang="pt-BR"/>
           </a:p>
@@ -4962,7 +4962,7 @@
           <a:p>
             <a:fld id="{033C220F-AFE8-4CCC-95E1-E0424241E150}" type="datetimeFigureOut">
               <a:rPr lang="pt-BR" smtClean="0"/>
-              <a:t>19/09/2017</a:t>
+              <a:t>29/09/2017</a:t>
             </a:fld>
             <a:endParaRPr lang="pt-BR"/>
           </a:p>
@@ -5057,7 +5057,7 @@
           <a:p>
             <a:fld id="{033C220F-AFE8-4CCC-95E1-E0424241E150}" type="datetimeFigureOut">
               <a:rPr lang="pt-BR" smtClean="0"/>
-              <a:t>19/09/2017</a:t>
+              <a:t>29/09/2017</a:t>
             </a:fld>
             <a:endParaRPr lang="pt-BR"/>
           </a:p>
@@ -5334,7 +5334,7 @@
           <a:p>
             <a:fld id="{033C220F-AFE8-4CCC-95E1-E0424241E150}" type="datetimeFigureOut">
               <a:rPr lang="pt-BR" smtClean="0"/>
-              <a:t>19/09/2017</a:t>
+              <a:t>29/09/2017</a:t>
             </a:fld>
             <a:endParaRPr lang="pt-BR"/>
           </a:p>
@@ -5587,7 +5587,7 @@
           <a:p>
             <a:fld id="{033C220F-AFE8-4CCC-95E1-E0424241E150}" type="datetimeFigureOut">
               <a:rPr lang="pt-BR" smtClean="0"/>
-              <a:t>19/09/2017</a:t>
+              <a:t>29/09/2017</a:t>
             </a:fld>
             <a:endParaRPr lang="pt-BR"/>
           </a:p>
@@ -5800,7 +5800,7 @@
           <a:p>
             <a:fld id="{033C220F-AFE8-4CCC-95E1-E0424241E150}" type="datetimeFigureOut">
               <a:rPr lang="pt-BR" smtClean="0"/>
-              <a:t>19/09/2017</a:t>
+              <a:t>29/09/2017</a:t>
             </a:fld>
             <a:endParaRPr lang="pt-BR"/>
           </a:p>
@@ -6212,14 +6212,14 @@
           <p:nvPr>
             <p:extLst>
               <p:ext uri="{D42A27DB-BD31-4B8C-83A1-F6EECF244321}">
-                <p14:modId xmlns:p14="http://schemas.microsoft.com/office/powerpoint/2010/main" val="1427000491"/>
+                <p14:modId xmlns:p14="http://schemas.microsoft.com/office/powerpoint/2010/main" val="3918081489"/>
               </p:ext>
             </p:extLst>
           </p:nvPr>
         </p:nvGraphicFramePr>
         <p:xfrm>
-          <a:off x="-768865" y="225396"/>
-          <a:ext cx="8128000" cy="5418667"/>
+          <a:off x="-517195" y="0"/>
+          <a:ext cx="6837156" cy="4725295"/>
         </p:xfrm>
         <a:graphic>
           <a:graphicData uri="http://schemas.openxmlformats.org/drawingml/2006/diagram">
@@ -6235,8 +6235,8 @@
         </p:nvSpPr>
         <p:spPr>
           <a:xfrm>
-            <a:off x="6216241" y="225396"/>
-            <a:ext cx="6068037" cy="2031325"/>
+            <a:off x="5218631" y="148453"/>
+            <a:ext cx="1680934" cy="1061829"/>
           </a:xfrm>
           <a:prstGeom prst="rect">
             <a:avLst/>
@@ -6250,74 +6250,78 @@
           <a:lstStyle/>
           <a:p>
             <a:r>
-              <a:rPr lang="pt-BR" strike="sngStrike" dirty="0" smtClean="0"/>
+              <a:rPr lang="pt-BR" sz="900" strike="sngStrike" dirty="0" smtClean="0"/>
               <a:t>Primeiro ciclo:</a:t>
             </a:r>
           </a:p>
           <a:p>
             <a:r>
-              <a:rPr lang="pt-BR" strike="sngStrike" dirty="0" smtClean="0"/>
-              <a:t>	-criar o mundo do jogo</a:t>
-            </a:r>
-          </a:p>
-          <a:p>
-            <a:r>
-              <a:rPr lang="pt-BR" strike="sngStrike" dirty="0"/>
-              <a:t>	</a:t>
-            </a:r>
-            <a:r>
-              <a:rPr lang="pt-BR" strike="sngStrike" dirty="0" smtClean="0"/>
-              <a:t>-criar um personagem</a:t>
-            </a:r>
-          </a:p>
-          <a:p>
-            <a:r>
-              <a:rPr lang="pt-BR" strike="sngStrike" dirty="0"/>
-              <a:t>	</a:t>
-            </a:r>
-            <a:r>
-              <a:rPr lang="pt-BR" strike="sngStrike" dirty="0" smtClean="0"/>
-              <a:t>- inserir controle horizontal</a:t>
-            </a:r>
-          </a:p>
-          <a:p>
-            <a:r>
-              <a:rPr lang="pt-BR" strike="sngStrike" dirty="0"/>
-              <a:t>	</a:t>
-            </a:r>
-            <a:r>
-              <a:rPr lang="pt-BR" strike="sngStrike" dirty="0" smtClean="0"/>
-              <a:t>- inserir pulo</a:t>
-            </a:r>
-          </a:p>
-          <a:p>
-            <a:r>
-              <a:rPr lang="pt-BR" strike="sngStrike" dirty="0"/>
-              <a:t>	</a:t>
-            </a:r>
-            <a:r>
-              <a:rPr lang="pt-BR" strike="sngStrike" dirty="0" smtClean="0"/>
-              <a:t>- fazer um </a:t>
-            </a:r>
-            <a:r>
-              <a:rPr lang="pt-BR" strike="sngStrike" dirty="0" err="1" smtClean="0"/>
+              <a:rPr lang="pt-BR" sz="900" strike="sngStrike" dirty="0" smtClean="0"/>
+              <a:t>-</a:t>
+            </a:r>
+            <a:r>
+              <a:rPr lang="pt-BR" sz="900" strike="sngStrike" dirty="0" smtClean="0"/>
+              <a:t>criar o mundo do jogo</a:t>
+            </a:r>
+          </a:p>
+          <a:p>
+            <a:r>
+              <a:rPr lang="pt-BR" sz="900" strike="sngStrike" dirty="0" smtClean="0"/>
+              <a:t>-</a:t>
+            </a:r>
+            <a:r>
+              <a:rPr lang="pt-BR" sz="900" strike="sngStrike" dirty="0" smtClean="0"/>
+              <a:t>criar um personagem</a:t>
+            </a:r>
+          </a:p>
+          <a:p>
+            <a:r>
+              <a:rPr lang="pt-BR" sz="900" strike="sngStrike" dirty="0" smtClean="0"/>
+              <a:t>- </a:t>
+            </a:r>
+            <a:r>
+              <a:rPr lang="pt-BR" sz="900" strike="sngStrike" dirty="0" smtClean="0"/>
+              <a:t>inserir controle horizontal</a:t>
+            </a:r>
+          </a:p>
+          <a:p>
+            <a:r>
+              <a:rPr lang="pt-BR" sz="900" strike="sngStrike" dirty="0" smtClean="0"/>
+              <a:t>- </a:t>
+            </a:r>
+            <a:r>
+              <a:rPr lang="pt-BR" sz="900" strike="sngStrike" dirty="0" smtClean="0"/>
+              <a:t>inserir pulo</a:t>
+            </a:r>
+          </a:p>
+          <a:p>
+            <a:r>
+              <a:rPr lang="pt-BR" sz="900" strike="sngStrike" dirty="0" smtClean="0"/>
+              <a:t>- </a:t>
+            </a:r>
+            <a:r>
+              <a:rPr lang="pt-BR" sz="900" strike="sngStrike" dirty="0" smtClean="0"/>
+              <a:t>fazer um </a:t>
+            </a:r>
+            <a:r>
+              <a:rPr lang="pt-BR" sz="900" strike="sngStrike" dirty="0" err="1" smtClean="0"/>
               <a:t>level</a:t>
             </a:r>
             <a:r>
-              <a:rPr lang="pt-BR" strike="sngStrike" dirty="0" smtClean="0"/>
+              <a:rPr lang="pt-BR" sz="900" strike="sngStrike" dirty="0" smtClean="0"/>
               <a:t> com buracos</a:t>
             </a:r>
           </a:p>
           <a:p>
             <a:r>
-              <a:rPr lang="pt-BR" strike="sngStrike" dirty="0"/>
-              <a:t>	</a:t>
-            </a:r>
-            <a:r>
-              <a:rPr lang="pt-BR" strike="sngStrike" dirty="0" smtClean="0"/>
-              <a:t>- criar menu de inicio</a:t>
-            </a:r>
-            <a:endParaRPr lang="pt-BR" strike="sngStrike" dirty="0"/>
+              <a:rPr lang="pt-BR" sz="900" strike="sngStrike" dirty="0" smtClean="0"/>
+              <a:t>- </a:t>
+            </a:r>
+            <a:r>
+              <a:rPr lang="pt-BR" sz="900" strike="sngStrike" dirty="0" smtClean="0"/>
+              <a:t>criar menu de inicio</a:t>
+            </a:r>
+            <a:endParaRPr lang="pt-BR" sz="900" strike="sngStrike" dirty="0"/>
           </a:p>
         </p:txBody>
       </p:sp>
@@ -6329,8 +6333,8 @@
         </p:nvSpPr>
         <p:spPr>
           <a:xfrm>
-            <a:off x="6308521" y="2256721"/>
-            <a:ext cx="6165908" cy="3416320"/>
+            <a:off x="6899565" y="109980"/>
+            <a:ext cx="1791429" cy="1138773"/>
           </a:xfrm>
           <a:prstGeom prst="rect">
             <a:avLst/>
@@ -6344,103 +6348,106 @@
           <a:lstStyle/>
           <a:p>
             <a:r>
-              <a:rPr lang="pt-BR" dirty="0" smtClean="0"/>
+              <a:rPr lang="pt-BR" sz="700" dirty="0" smtClean="0"/>
               <a:t>Segundo ciclo:</a:t>
             </a:r>
           </a:p>
           <a:p>
             <a:r>
-              <a:rPr lang="pt-BR" dirty="0"/>
+              <a:rPr lang="pt-BR" sz="700" strike="sngStrike" dirty="0" smtClean="0"/>
+              <a:t>- </a:t>
+            </a:r>
+            <a:r>
+              <a:rPr lang="pt-BR" sz="700" strike="sngStrike" dirty="0" smtClean="0"/>
+              <a:t>iluminação/ distancia de câmera</a:t>
+            </a:r>
+          </a:p>
+          <a:p>
+            <a:r>
+              <a:rPr lang="pt-BR" sz="700" strike="sngStrike" dirty="0" smtClean="0"/>
+              <a:t>- </a:t>
+            </a:r>
+            <a:r>
+              <a:rPr lang="pt-BR" sz="700" strike="sngStrike" dirty="0" smtClean="0"/>
+              <a:t>inserir figura do personagem</a:t>
+            </a:r>
+          </a:p>
+          <a:p>
+            <a:r>
+              <a:rPr lang="pt-BR" sz="700" strike="sngStrike" dirty="0" smtClean="0"/>
+              <a:t>- </a:t>
+            </a:r>
+            <a:r>
+              <a:rPr lang="pt-BR" sz="700" strike="sngStrike" dirty="0" smtClean="0"/>
+              <a:t>definir esquema de atrito</a:t>
+            </a:r>
+          </a:p>
+          <a:p>
+            <a:r>
+              <a:rPr lang="pt-BR" sz="700" strike="sngStrike" dirty="0" smtClean="0"/>
+              <a:t>- </a:t>
+            </a:r>
+            <a:r>
+              <a:rPr lang="pt-BR" sz="700" strike="sngStrike" dirty="0" smtClean="0"/>
+              <a:t>identificação de colisão com o chão</a:t>
+            </a:r>
+          </a:p>
+          <a:p>
+            <a:r>
+              <a:rPr lang="pt-BR" sz="700" strike="sngStrike" dirty="0" smtClean="0"/>
+              <a:t>- </a:t>
+            </a:r>
+            <a:r>
+              <a:rPr lang="pt-BR" sz="700" strike="sngStrike" dirty="0" smtClean="0"/>
+              <a:t>criar espetos</a:t>
+            </a:r>
+          </a:p>
+          <a:p>
+            <a:r>
+              <a:rPr lang="pt-BR" sz="700" strike="sngStrike" dirty="0" smtClean="0"/>
+              <a:t>- </a:t>
+            </a:r>
+            <a:r>
+              <a:rPr lang="pt-BR" sz="700" strike="sngStrike" dirty="0" smtClean="0"/>
+              <a:t>criar um inimigo</a:t>
+            </a:r>
+          </a:p>
+          <a:p>
+            <a:r>
+              <a:rPr lang="pt-BR" sz="700" strike="sngStrike" dirty="0" smtClean="0"/>
+              <a:t>- </a:t>
+            </a:r>
+            <a:r>
+              <a:rPr lang="pt-BR" sz="700" strike="sngStrike" dirty="0" smtClean="0"/>
+              <a:t>inserir controle de </a:t>
+            </a:r>
+            <a:r>
+              <a:rPr lang="pt-BR" sz="700" strike="sngStrike" dirty="0" err="1" smtClean="0"/>
+              <a:t>gamepad</a:t>
+            </a:r>
+            <a:endParaRPr lang="pt-BR" sz="700" strike="sngStrike" dirty="0" smtClean="0"/>
+          </a:p>
+          <a:p>
+            <a:r>
+              <a:rPr lang="pt-BR" sz="700" strike="sngStrike" dirty="0" smtClean="0"/>
+              <a:t>- </a:t>
+            </a:r>
+            <a:r>
+              <a:rPr lang="pt-BR" sz="700" strike="sngStrike" dirty="0" smtClean="0"/>
+              <a:t>Fazer um UI com as vidas do </a:t>
+            </a:r>
+            <a:r>
+              <a:rPr lang="pt-BR" sz="700" strike="sngStrike" dirty="0" smtClean="0"/>
+              <a:t>personagem</a:t>
+            </a:r>
+            <a:endParaRPr lang="pt-BR" sz="700" dirty="0" smtClean="0"/>
+          </a:p>
+          <a:p>
+            <a:r>
+              <a:rPr lang="pt-BR" sz="500" dirty="0" smtClean="0"/>
               <a:t>	</a:t>
             </a:r>
-            <a:r>
-              <a:rPr lang="pt-BR" strike="sngStrike" dirty="0" smtClean="0"/>
-              <a:t>- iluminação/ distancia de câmera</a:t>
-            </a:r>
-          </a:p>
-          <a:p>
-            <a:r>
-              <a:rPr lang="pt-BR" dirty="0"/>
-              <a:t>	</a:t>
-            </a:r>
-            <a:r>
-              <a:rPr lang="pt-BR" strike="sngStrike" dirty="0" smtClean="0"/>
-              <a:t>- inserir figura do personagem</a:t>
-            </a:r>
-          </a:p>
-          <a:p>
-            <a:r>
-              <a:rPr lang="pt-BR" dirty="0"/>
-              <a:t>	</a:t>
-            </a:r>
-            <a:r>
-              <a:rPr lang="pt-BR" strike="sngStrike" dirty="0" smtClean="0"/>
-              <a:t>- definir esquema de atrito</a:t>
-            </a:r>
-          </a:p>
-          <a:p>
-            <a:r>
-              <a:rPr lang="pt-BR" dirty="0"/>
-              <a:t>	</a:t>
-            </a:r>
-            <a:r>
-              <a:rPr lang="pt-BR" strike="sngStrike" dirty="0" smtClean="0"/>
-              <a:t>- identificação de colisão com o chão</a:t>
-            </a:r>
-          </a:p>
-          <a:p>
-            <a:r>
-              <a:rPr lang="pt-BR" dirty="0"/>
-              <a:t>	</a:t>
-            </a:r>
-            <a:r>
-              <a:rPr lang="pt-BR" strike="sngStrike" dirty="0" smtClean="0"/>
-              <a:t>- criar espetos</a:t>
-            </a:r>
-          </a:p>
-          <a:p>
-            <a:r>
-              <a:rPr lang="pt-BR" dirty="0"/>
-              <a:t>	</a:t>
-            </a:r>
-            <a:r>
-              <a:rPr lang="pt-BR" strike="sngStrike" dirty="0" smtClean="0"/>
-              <a:t>- criar um inimigo</a:t>
-            </a:r>
-          </a:p>
-          <a:p>
-            <a:r>
-              <a:rPr lang="pt-BR" strike="sngStrike" dirty="0" smtClean="0"/>
-              <a:t>	- inserir controle de </a:t>
-            </a:r>
-            <a:r>
-              <a:rPr lang="pt-BR" strike="sngStrike" dirty="0" err="1" smtClean="0"/>
-              <a:t>gamepad</a:t>
-            </a:r>
-            <a:endParaRPr lang="pt-BR" strike="sngStrike" dirty="0" smtClean="0"/>
-          </a:p>
-          <a:p>
-            <a:r>
-              <a:rPr lang="pt-BR" dirty="0"/>
-              <a:t>	</a:t>
-            </a:r>
-            <a:r>
-              <a:rPr lang="pt-BR" strike="sngStrike" dirty="0" smtClean="0"/>
-              <a:t>- Fazer um UI com as vidas do personagem</a:t>
-            </a:r>
-          </a:p>
-          <a:p>
-            <a:endParaRPr lang="pt-BR" dirty="0" smtClean="0"/>
-          </a:p>
-          <a:p>
-            <a:endParaRPr lang="pt-BR" dirty="0" smtClean="0"/>
-          </a:p>
-          <a:p>
-            <a:r>
-              <a:rPr lang="pt-BR" dirty="0" smtClean="0"/>
-              <a:t>	</a:t>
-            </a:r>
-            <a:endParaRPr lang="pt-BR" dirty="0"/>
+            <a:endParaRPr lang="pt-BR" sz="500" dirty="0"/>
           </a:p>
         </p:txBody>
       </p:sp>
@@ -6452,8 +6459,8 @@
         </p:nvSpPr>
         <p:spPr>
           <a:xfrm>
-            <a:off x="6400799" y="4709425"/>
-            <a:ext cx="5883479" cy="2862322"/>
+            <a:off x="5971351" y="1353229"/>
+            <a:ext cx="5883479" cy="2308324"/>
           </a:xfrm>
           <a:prstGeom prst="rect">
             <a:avLst/>
@@ -6500,14 +6507,14 @@
               <a:t>	</a:t>
             </a:r>
             <a:r>
-              <a:rPr lang="pt-BR" dirty="0" smtClean="0"/>
+              <a:rPr lang="pt-BR" strike="sngStrike" dirty="0" smtClean="0"/>
               <a:t>-animação </a:t>
             </a:r>
             <a:r>
-              <a:rPr lang="pt-BR" dirty="0" err="1" smtClean="0"/>
+              <a:rPr lang="pt-BR" strike="sngStrike" dirty="0" err="1" smtClean="0"/>
               <a:t>idle</a:t>
             </a:r>
-            <a:endParaRPr lang="pt-BR" dirty="0" smtClean="0"/>
+            <a:endParaRPr lang="pt-BR" strike="sngStrike" dirty="0" smtClean="0"/>
           </a:p>
           <a:p>
             <a:r>
@@ -6515,15 +6522,32 @@
               <a:t>	</a:t>
             </a:r>
             <a:r>
+              <a:rPr lang="pt-BR" strike="sngStrike" dirty="0" smtClean="0"/>
+              <a:t>- Melhorar percepção do pulo</a:t>
+            </a:r>
+          </a:p>
+          <a:p>
+            <a:r>
               <a:rPr lang="pt-BR" dirty="0" smtClean="0"/>
-              <a:t>- Melhorar percepção do pulo</a:t>
-            </a:r>
-          </a:p>
-          <a:p>
+              <a:t>	</a:t>
+            </a:r>
             <a:r>
               <a:rPr lang="pt-BR" dirty="0" smtClean="0"/>
-              <a:t>	- ainda não tem uma habilidade definida então vamos programar e deixar pronto um pulo duplo</a:t>
-            </a:r>
+              <a:t>- </a:t>
+            </a:r>
+            <a:r>
+              <a:rPr lang="pt-BR" dirty="0" err="1" smtClean="0"/>
+              <a:t>wall</a:t>
+            </a:r>
+            <a:r>
+              <a:rPr lang="pt-BR" dirty="0" smtClean="0"/>
+              <a:t> </a:t>
+            </a:r>
+            <a:r>
+              <a:rPr lang="pt-BR" dirty="0" err="1" smtClean="0"/>
+              <a:t>jump</a:t>
+            </a:r>
+            <a:endParaRPr lang="pt-BR" dirty="0" smtClean="0"/>
           </a:p>
           <a:p>
             <a:r>
@@ -6542,7 +6566,11 @@
             </a:r>
             <a:r>
               <a:rPr lang="pt-BR" dirty="0" smtClean="0"/>
-              <a:t>-criar a IA do inimigo fazendo ele andar</a:t>
+              <a:t>- criar </a:t>
+            </a:r>
+            <a:r>
+              <a:rPr lang="pt-BR" dirty="0" smtClean="0"/>
+              <a:t>a IA do inimigo fazendo ele andar</a:t>
             </a:r>
           </a:p>
           <a:p>
@@ -6552,7 +6580,11 @@
             </a:r>
             <a:r>
               <a:rPr lang="pt-BR" dirty="0" smtClean="0"/>
-              <a:t>- fazer o controle por game </a:t>
+              <a:t>- </a:t>
+            </a:r>
+            <a:r>
+              <a:rPr lang="pt-BR" dirty="0" smtClean="0"/>
+              <a:t>game </a:t>
             </a:r>
             <a:r>
               <a:rPr lang="pt-BR" dirty="0" err="1" smtClean="0"/>
@@ -6560,7 +6592,155 @@
             </a:r>
             <a:r>
               <a:rPr lang="pt-BR" dirty="0" smtClean="0"/>
-              <a:t> e mouse funcionar nos menus.</a:t>
+              <a:t> </a:t>
+            </a:r>
+            <a:r>
+              <a:rPr lang="pt-BR" dirty="0" smtClean="0"/>
+              <a:t>funcionar </a:t>
+            </a:r>
+            <a:r>
+              <a:rPr lang="pt-BR" dirty="0" smtClean="0"/>
+              <a:t>nos menus.</a:t>
+            </a:r>
+            <a:endParaRPr lang="pt-BR" dirty="0"/>
+          </a:p>
+        </p:txBody>
+      </p:sp>
+      <p:sp>
+        <p:nvSpPr>
+          <p:cNvPr id="8" name="CaixaDeTexto 7"/>
+          <p:cNvSpPr txBox="1"/>
+          <p:nvPr/>
+        </p:nvSpPr>
+        <p:spPr>
+          <a:xfrm>
+            <a:off x="5904238" y="3675609"/>
+            <a:ext cx="5883479" cy="2308324"/>
+          </a:xfrm>
+          <a:prstGeom prst="rect">
+            <a:avLst/>
+          </a:prstGeom>
+          <a:noFill/>
+        </p:spPr>
+        <p:txBody>
+          <a:bodyPr wrap="square" rtlCol="0">
+            <a:spAutoFit/>
+          </a:bodyPr>
+          <a:lstStyle/>
+          <a:p>
+            <a:r>
+              <a:rPr lang="pt-BR" dirty="0" smtClean="0"/>
+              <a:t>Quarto </a:t>
+            </a:r>
+            <a:r>
+              <a:rPr lang="pt-BR" dirty="0" smtClean="0"/>
+              <a:t>ciclo:</a:t>
+            </a:r>
+          </a:p>
+          <a:p>
+            <a:r>
+              <a:rPr lang="pt-BR" dirty="0" smtClean="0"/>
+              <a:t>	</a:t>
+            </a:r>
+            <a:r>
+              <a:rPr lang="pt-BR" dirty="0" smtClean="0"/>
+              <a:t>- 1st </a:t>
+            </a:r>
+            <a:r>
+              <a:rPr lang="pt-BR" dirty="0" err="1" smtClean="0"/>
+              <a:t>Level</a:t>
+            </a:r>
+            <a:r>
+              <a:rPr lang="pt-BR" dirty="0" smtClean="0"/>
+              <a:t> </a:t>
+            </a:r>
+            <a:r>
+              <a:rPr lang="pt-BR" dirty="0" err="1" smtClean="0"/>
+              <a:t>Desing</a:t>
+            </a:r>
+            <a:endParaRPr lang="pt-BR" dirty="0" smtClean="0"/>
+          </a:p>
+          <a:p>
+            <a:r>
+              <a:rPr lang="pt-BR" dirty="0"/>
+              <a:t>	</a:t>
+            </a:r>
+            <a:r>
+              <a:rPr lang="pt-BR" dirty="0" smtClean="0"/>
+              <a:t>- animação </a:t>
+            </a:r>
+            <a:r>
+              <a:rPr lang="pt-BR" dirty="0" err="1" smtClean="0"/>
+              <a:t>walking</a:t>
+            </a:r>
+            <a:r>
+              <a:rPr lang="pt-BR" dirty="0" smtClean="0"/>
+              <a:t> // Melhorar </a:t>
+            </a:r>
+            <a:r>
+              <a:rPr lang="pt-BR" dirty="0" err="1" smtClean="0"/>
+              <a:t>iddle</a:t>
+            </a:r>
+            <a:endParaRPr lang="pt-BR" dirty="0" smtClean="0"/>
+          </a:p>
+          <a:p>
+            <a:r>
+              <a:rPr lang="pt-BR" dirty="0"/>
+              <a:t>	</a:t>
+            </a:r>
+            <a:r>
+              <a:rPr lang="pt-BR" dirty="0" smtClean="0"/>
+              <a:t>- </a:t>
+            </a:r>
+            <a:r>
+              <a:rPr lang="pt-BR" dirty="0" smtClean="0"/>
+              <a:t>rever atrito no ar </a:t>
+            </a:r>
+            <a:endParaRPr lang="pt-BR" dirty="0" smtClean="0"/>
+          </a:p>
+          <a:p>
+            <a:r>
+              <a:rPr lang="pt-BR" dirty="0" smtClean="0"/>
+              <a:t>	- </a:t>
+            </a:r>
+            <a:r>
+              <a:rPr lang="pt-BR" dirty="0" smtClean="0"/>
+              <a:t>Dash? (invulnerável?)</a:t>
+            </a:r>
+          </a:p>
+          <a:p>
+            <a:r>
+              <a:rPr lang="pt-BR" dirty="0"/>
+              <a:t>	</a:t>
+            </a:r>
+            <a:r>
+              <a:rPr lang="pt-BR" dirty="0" smtClean="0"/>
+              <a:t>- </a:t>
+            </a:r>
+            <a:r>
+              <a:rPr lang="pt-BR" dirty="0" smtClean="0"/>
+              <a:t>plataformas moveis</a:t>
+            </a:r>
+          </a:p>
+          <a:p>
+            <a:r>
+              <a:rPr lang="pt-BR" dirty="0"/>
+              <a:t>	</a:t>
+            </a:r>
+            <a:r>
+              <a:rPr lang="pt-BR" dirty="0" smtClean="0"/>
+              <a:t>- Mecânicas do  primeiro chefão</a:t>
+            </a:r>
+            <a:endParaRPr lang="pt-BR" dirty="0" smtClean="0"/>
+          </a:p>
+          <a:p>
+            <a:r>
+              <a:rPr lang="pt-BR" dirty="0"/>
+              <a:t>	</a:t>
+            </a:r>
+            <a:r>
+              <a:rPr lang="pt-BR" dirty="0" smtClean="0"/>
+              <a:t>- melhorar código dos corações e adicionar vidas</a:t>
             </a:r>
             <a:endParaRPr lang="pt-BR" dirty="0"/>
           </a:p>

--- a/GDD/Ciclo de trabalho.pptx
+++ b/GDD/Ciclo de trabalho.pptx
@@ -3479,7 +3479,7 @@
           <a:p>
             <a:fld id="{033C220F-AFE8-4CCC-95E1-E0424241E150}" type="datetimeFigureOut">
               <a:rPr lang="pt-BR" smtClean="0"/>
-              <a:t>29/09/2017</a:t>
+              <a:t>04/10/2017</a:t>
             </a:fld>
             <a:endParaRPr lang="pt-BR"/>
           </a:p>
@@ -3649,7 +3649,7 @@
           <a:p>
             <a:fld id="{033C220F-AFE8-4CCC-95E1-E0424241E150}" type="datetimeFigureOut">
               <a:rPr lang="pt-BR" smtClean="0"/>
-              <a:t>29/09/2017</a:t>
+              <a:t>04/10/2017</a:t>
             </a:fld>
             <a:endParaRPr lang="pt-BR"/>
           </a:p>
@@ -3829,7 +3829,7 @@
           <a:p>
             <a:fld id="{033C220F-AFE8-4CCC-95E1-E0424241E150}" type="datetimeFigureOut">
               <a:rPr lang="pt-BR" smtClean="0"/>
-              <a:t>29/09/2017</a:t>
+              <a:t>04/10/2017</a:t>
             </a:fld>
             <a:endParaRPr lang="pt-BR"/>
           </a:p>
@@ -3999,7 +3999,7 @@
           <a:p>
             <a:fld id="{033C220F-AFE8-4CCC-95E1-E0424241E150}" type="datetimeFigureOut">
               <a:rPr lang="pt-BR" smtClean="0"/>
-              <a:t>29/09/2017</a:t>
+              <a:t>04/10/2017</a:t>
             </a:fld>
             <a:endParaRPr lang="pt-BR"/>
           </a:p>
@@ -4245,7 +4245,7 @@
           <a:p>
             <a:fld id="{033C220F-AFE8-4CCC-95E1-E0424241E150}" type="datetimeFigureOut">
               <a:rPr lang="pt-BR" smtClean="0"/>
-              <a:t>29/09/2017</a:t>
+              <a:t>04/10/2017</a:t>
             </a:fld>
             <a:endParaRPr lang="pt-BR"/>
           </a:p>
@@ -4477,7 +4477,7 @@
           <a:p>
             <a:fld id="{033C220F-AFE8-4CCC-95E1-E0424241E150}" type="datetimeFigureOut">
               <a:rPr lang="pt-BR" smtClean="0"/>
-              <a:t>29/09/2017</a:t>
+              <a:t>04/10/2017</a:t>
             </a:fld>
             <a:endParaRPr lang="pt-BR"/>
           </a:p>
@@ -4844,7 +4844,7 @@
           <a:p>
             <a:fld id="{033C220F-AFE8-4CCC-95E1-E0424241E150}" type="datetimeFigureOut">
               <a:rPr lang="pt-BR" smtClean="0"/>
-              <a:t>29/09/2017</a:t>
+              <a:t>04/10/2017</a:t>
             </a:fld>
             <a:endParaRPr lang="pt-BR"/>
           </a:p>
@@ -4962,7 +4962,7 @@
           <a:p>
             <a:fld id="{033C220F-AFE8-4CCC-95E1-E0424241E150}" type="datetimeFigureOut">
               <a:rPr lang="pt-BR" smtClean="0"/>
-              <a:t>29/09/2017</a:t>
+              <a:t>04/10/2017</a:t>
             </a:fld>
             <a:endParaRPr lang="pt-BR"/>
           </a:p>
@@ -5057,7 +5057,7 @@
           <a:p>
             <a:fld id="{033C220F-AFE8-4CCC-95E1-E0424241E150}" type="datetimeFigureOut">
               <a:rPr lang="pt-BR" smtClean="0"/>
-              <a:t>29/09/2017</a:t>
+              <a:t>04/10/2017</a:t>
             </a:fld>
             <a:endParaRPr lang="pt-BR"/>
           </a:p>
@@ -5334,7 +5334,7 @@
           <a:p>
             <a:fld id="{033C220F-AFE8-4CCC-95E1-E0424241E150}" type="datetimeFigureOut">
               <a:rPr lang="pt-BR" smtClean="0"/>
-              <a:t>29/09/2017</a:t>
+              <a:t>04/10/2017</a:t>
             </a:fld>
             <a:endParaRPr lang="pt-BR"/>
           </a:p>
@@ -5587,7 +5587,7 @@
           <a:p>
             <a:fld id="{033C220F-AFE8-4CCC-95E1-E0424241E150}" type="datetimeFigureOut">
               <a:rPr lang="pt-BR" smtClean="0"/>
-              <a:t>29/09/2017</a:t>
+              <a:t>04/10/2017</a:t>
             </a:fld>
             <a:endParaRPr lang="pt-BR"/>
           </a:p>
@@ -5800,7 +5800,7 @@
           <a:p>
             <a:fld id="{033C220F-AFE8-4CCC-95E1-E0424241E150}" type="datetimeFigureOut">
               <a:rPr lang="pt-BR" smtClean="0"/>
-              <a:t>29/09/2017</a:t>
+              <a:t>04/10/2017</a:t>
             </a:fld>
             <a:endParaRPr lang="pt-BR"/>
           </a:p>
@@ -6257,51 +6257,31 @@
           <a:p>
             <a:r>
               <a:rPr lang="pt-BR" sz="900" strike="sngStrike" dirty="0" smtClean="0"/>
-              <a:t>-</a:t>
-            </a:r>
+              <a:t>-criar o mundo do jogo</a:t>
+            </a:r>
+          </a:p>
+          <a:p>
             <a:r>
               <a:rPr lang="pt-BR" sz="900" strike="sngStrike" dirty="0" smtClean="0"/>
-              <a:t>criar o mundo do jogo</a:t>
+              <a:t>-criar um personagem</a:t>
             </a:r>
           </a:p>
           <a:p>
             <a:r>
               <a:rPr lang="pt-BR" sz="900" strike="sngStrike" dirty="0" smtClean="0"/>
-              <a:t>-</a:t>
-            </a:r>
+              <a:t>- inserir controle horizontal</a:t>
+            </a:r>
+          </a:p>
+          <a:p>
             <a:r>
               <a:rPr lang="pt-BR" sz="900" strike="sngStrike" dirty="0" smtClean="0"/>
-              <a:t>criar um personagem</a:t>
+              <a:t>- inserir pulo</a:t>
             </a:r>
           </a:p>
           <a:p>
             <a:r>
               <a:rPr lang="pt-BR" sz="900" strike="sngStrike" dirty="0" smtClean="0"/>
-              <a:t>- </a:t>
-            </a:r>
-            <a:r>
-              <a:rPr lang="pt-BR" sz="900" strike="sngStrike" dirty="0" smtClean="0"/>
-              <a:t>inserir controle horizontal</a:t>
-            </a:r>
-          </a:p>
-          <a:p>
-            <a:r>
-              <a:rPr lang="pt-BR" sz="900" strike="sngStrike" dirty="0" smtClean="0"/>
-              <a:t>- </a:t>
-            </a:r>
-            <a:r>
-              <a:rPr lang="pt-BR" sz="900" strike="sngStrike" dirty="0" smtClean="0"/>
-              <a:t>inserir pulo</a:t>
-            </a:r>
-          </a:p>
-          <a:p>
-            <a:r>
-              <a:rPr lang="pt-BR" sz="900" strike="sngStrike" dirty="0" smtClean="0"/>
-              <a:t>- </a:t>
-            </a:r>
-            <a:r>
-              <a:rPr lang="pt-BR" sz="900" strike="sngStrike" dirty="0" smtClean="0"/>
-              <a:t>fazer um </a:t>
+              <a:t>- fazer um </a:t>
             </a:r>
             <a:r>
               <a:rPr lang="pt-BR" sz="900" strike="sngStrike" dirty="0" err="1" smtClean="0"/>
@@ -6315,11 +6295,7 @@
           <a:p>
             <a:r>
               <a:rPr lang="pt-BR" sz="900" strike="sngStrike" dirty="0" smtClean="0"/>
-              <a:t>- </a:t>
-            </a:r>
-            <a:r>
-              <a:rPr lang="pt-BR" sz="900" strike="sngStrike" dirty="0" smtClean="0"/>
-              <a:t>criar menu de inicio</a:t>
+              <a:t>- criar menu de inicio</a:t>
             </a:r>
             <a:endParaRPr lang="pt-BR" sz="900" strike="sngStrike" dirty="0"/>
           </a:p>
@@ -6355,71 +6331,43 @@
           <a:p>
             <a:r>
               <a:rPr lang="pt-BR" sz="700" strike="sngStrike" dirty="0" smtClean="0"/>
-              <a:t>- </a:t>
-            </a:r>
+              <a:t>- iluminação/ distancia de câmera</a:t>
+            </a:r>
+          </a:p>
+          <a:p>
             <a:r>
               <a:rPr lang="pt-BR" sz="700" strike="sngStrike" dirty="0" smtClean="0"/>
-              <a:t>iluminação/ distancia de câmera</a:t>
+              <a:t>- inserir figura do personagem</a:t>
             </a:r>
           </a:p>
           <a:p>
             <a:r>
               <a:rPr lang="pt-BR" sz="700" strike="sngStrike" dirty="0" smtClean="0"/>
-              <a:t>- </a:t>
-            </a:r>
+              <a:t>- definir esquema de atrito</a:t>
+            </a:r>
+          </a:p>
+          <a:p>
             <a:r>
               <a:rPr lang="pt-BR" sz="700" strike="sngStrike" dirty="0" smtClean="0"/>
-              <a:t>inserir figura do personagem</a:t>
+              <a:t>- identificação de colisão com o chão</a:t>
             </a:r>
           </a:p>
           <a:p>
             <a:r>
               <a:rPr lang="pt-BR" sz="700" strike="sngStrike" dirty="0" smtClean="0"/>
-              <a:t>- </a:t>
-            </a:r>
+              <a:t>- criar espetos</a:t>
+            </a:r>
+          </a:p>
+          <a:p>
             <a:r>
               <a:rPr lang="pt-BR" sz="700" strike="sngStrike" dirty="0" smtClean="0"/>
-              <a:t>definir esquema de atrito</a:t>
+              <a:t>- criar um inimigo</a:t>
             </a:r>
           </a:p>
           <a:p>
             <a:r>
               <a:rPr lang="pt-BR" sz="700" strike="sngStrike" dirty="0" smtClean="0"/>
-              <a:t>- </a:t>
-            </a:r>
-            <a:r>
-              <a:rPr lang="pt-BR" sz="700" strike="sngStrike" dirty="0" smtClean="0"/>
-              <a:t>identificação de colisão com o chão</a:t>
-            </a:r>
-          </a:p>
-          <a:p>
-            <a:r>
-              <a:rPr lang="pt-BR" sz="700" strike="sngStrike" dirty="0" smtClean="0"/>
-              <a:t>- </a:t>
-            </a:r>
-            <a:r>
-              <a:rPr lang="pt-BR" sz="700" strike="sngStrike" dirty="0" smtClean="0"/>
-              <a:t>criar espetos</a:t>
-            </a:r>
-          </a:p>
-          <a:p>
-            <a:r>
-              <a:rPr lang="pt-BR" sz="700" strike="sngStrike" dirty="0" smtClean="0"/>
-              <a:t>- </a:t>
-            </a:r>
-            <a:r>
-              <a:rPr lang="pt-BR" sz="700" strike="sngStrike" dirty="0" smtClean="0"/>
-              <a:t>criar um inimigo</a:t>
-            </a:r>
-          </a:p>
-          <a:p>
-            <a:r>
-              <a:rPr lang="pt-BR" sz="700" strike="sngStrike" dirty="0" smtClean="0"/>
-              <a:t>- </a:t>
-            </a:r>
-            <a:r>
-              <a:rPr lang="pt-BR" sz="700" strike="sngStrike" dirty="0" smtClean="0"/>
-              <a:t>inserir controle de </a:t>
+              <a:t>- inserir controle de </a:t>
             </a:r>
             <a:r>
               <a:rPr lang="pt-BR" sz="700" strike="sngStrike" dirty="0" err="1" smtClean="0"/>
@@ -6430,15 +6378,7 @@
           <a:p>
             <a:r>
               <a:rPr lang="pt-BR" sz="700" strike="sngStrike" dirty="0" smtClean="0"/>
-              <a:t>- </a:t>
-            </a:r>
-            <a:r>
-              <a:rPr lang="pt-BR" sz="700" strike="sngStrike" dirty="0" smtClean="0"/>
-              <a:t>Fazer um UI com as vidas do </a:t>
-            </a:r>
-            <a:r>
-              <a:rPr lang="pt-BR" sz="700" strike="sngStrike" dirty="0" smtClean="0"/>
-              <a:t>personagem</a:t>
+              <a:t>- Fazer um UI com as vidas do personagem</a:t>
             </a:r>
             <a:endParaRPr lang="pt-BR" sz="700" dirty="0" smtClean="0"/>
           </a:p>
@@ -6459,7 +6399,7 @@
         </p:nvSpPr>
         <p:spPr>
           <a:xfrm>
-            <a:off x="5971351" y="1353229"/>
+            <a:off x="5904237" y="1328814"/>
             <a:ext cx="5883479" cy="2308324"/>
           </a:xfrm>
           <a:prstGeom prst="rect">
@@ -6532,22 +6472,36 @@
               <a:t>	</a:t>
             </a:r>
             <a:r>
+              <a:rPr lang="pt-BR" strike="sngStrike" dirty="0" smtClean="0"/>
+              <a:t>- </a:t>
+            </a:r>
+            <a:r>
+              <a:rPr lang="pt-BR" strike="sngStrike" dirty="0" err="1" smtClean="0"/>
+              <a:t>wall</a:t>
+            </a:r>
+            <a:r>
+              <a:rPr lang="pt-BR" strike="sngStrike" dirty="0" smtClean="0"/>
+              <a:t> </a:t>
+            </a:r>
+            <a:r>
+              <a:rPr lang="pt-BR" strike="sngStrike" dirty="0" err="1" smtClean="0"/>
+              <a:t>jump</a:t>
+            </a:r>
+            <a:endParaRPr lang="pt-BR" strike="sngStrike" dirty="0" smtClean="0"/>
+          </a:p>
+          <a:p>
+            <a:r>
+              <a:rPr lang="pt-BR" dirty="0"/>
+              <a:t>	</a:t>
+            </a:r>
+            <a:r>
               <a:rPr lang="pt-BR" dirty="0" smtClean="0"/>
               <a:t>- </a:t>
             </a:r>
             <a:r>
-              <a:rPr lang="pt-BR" dirty="0" err="1" smtClean="0"/>
-              <a:t>wall</a:t>
-            </a:r>
-            <a:r>
-              <a:rPr lang="pt-BR" dirty="0" smtClean="0"/>
-              <a:t> </a:t>
-            </a:r>
-            <a:r>
-              <a:rPr lang="pt-BR" dirty="0" err="1" smtClean="0"/>
-              <a:t>jump</a:t>
-            </a:r>
-            <a:endParaRPr lang="pt-BR" dirty="0" smtClean="0"/>
+              <a:rPr lang="pt-BR" strike="sngStrike" dirty="0"/>
+              <a:t>plataformas moveis</a:t>
+            </a:r>
           </a:p>
           <a:p>
             <a:r>
@@ -6555,8 +6509,8 @@
               <a:t>	</a:t>
             </a:r>
             <a:r>
-              <a:rPr lang="pt-BR" dirty="0" smtClean="0"/>
-              <a:t>- criar desenhos para espetos, fogo, choque</a:t>
+              <a:rPr lang="pt-BR" strike="sngStrike" dirty="0" smtClean="0"/>
+              <a:t>- criar a IA do inimigo fazendo ele andar</a:t>
             </a:r>
           </a:p>
           <a:p>
@@ -6565,44 +6519,18 @@
               <a:t>	</a:t>
             </a:r>
             <a:r>
-              <a:rPr lang="pt-BR" dirty="0" smtClean="0"/>
-              <a:t>- criar </a:t>
-            </a:r>
-            <a:r>
-              <a:rPr lang="pt-BR" dirty="0" smtClean="0"/>
-              <a:t>a IA do inimigo fazendo ele andar</a:t>
-            </a:r>
-          </a:p>
-          <a:p>
-            <a:r>
-              <a:rPr lang="pt-BR" dirty="0"/>
-              <a:t>	</a:t>
-            </a:r>
-            <a:r>
-              <a:rPr lang="pt-BR" dirty="0" smtClean="0"/>
-              <a:t>- </a:t>
-            </a:r>
-            <a:r>
-              <a:rPr lang="pt-BR" dirty="0" smtClean="0"/>
-              <a:t>game </a:t>
-            </a:r>
-            <a:r>
-              <a:rPr lang="pt-BR" dirty="0" err="1" smtClean="0"/>
+              <a:rPr lang="pt-BR" strike="sngStrike" dirty="0" smtClean="0"/>
+              <a:t>- game </a:t>
+            </a:r>
+            <a:r>
+              <a:rPr lang="pt-BR" strike="sngStrike" dirty="0" err="1" smtClean="0"/>
               <a:t>pad</a:t>
             </a:r>
             <a:r>
-              <a:rPr lang="pt-BR" dirty="0" smtClean="0"/>
-              <a:t> </a:t>
-            </a:r>
-            <a:r>
-              <a:rPr lang="pt-BR" dirty="0" smtClean="0"/>
-              <a:t>funcionar </a:t>
-            </a:r>
-            <a:r>
-              <a:rPr lang="pt-BR" dirty="0" smtClean="0"/>
-              <a:t>nos menus.</a:t>
-            </a:r>
-            <a:endParaRPr lang="pt-BR" dirty="0"/>
+              <a:rPr lang="pt-BR" strike="sngStrike" dirty="0" smtClean="0"/>
+              <a:t> funcionar nos menus.</a:t>
+            </a:r>
+            <a:endParaRPr lang="pt-BR" strike="sngStrike" dirty="0"/>
           </a:p>
         </p:txBody>
       </p:sp>
@@ -6630,21 +6558,32 @@
           <a:p>
             <a:r>
               <a:rPr lang="pt-BR" dirty="0" smtClean="0"/>
-              <a:t>Quarto </a:t>
-            </a:r>
+              <a:t>Quarto ciclo</a:t>
+            </a:r>
+            <a:r>
+              <a:rPr lang="pt-BR" dirty="0" smtClean="0">
+                <a:sym typeface="Wingdings" panose="05000000000000000000" pitchFamily="2" charset="2"/>
+              </a:rPr>
+              <a:t>: (</a:t>
+            </a:r>
+            <a:r>
+              <a:rPr lang="pt-BR" strike="sngStrike" dirty="0" err="1" smtClean="0">
+                <a:sym typeface="Wingdings" panose="05000000000000000000" pitchFamily="2" charset="2"/>
+              </a:rPr>
+              <a:t>refactor</a:t>
+            </a:r>
+            <a:r>
+              <a:rPr lang="pt-BR" dirty="0" smtClean="0">
+                <a:sym typeface="Wingdings" panose="05000000000000000000" pitchFamily="2" charset="2"/>
+              </a:rPr>
+              <a:t>)</a:t>
+            </a:r>
+            <a:endParaRPr lang="pt-BR" dirty="0" smtClean="0"/>
+          </a:p>
+          <a:p>
             <a:r>
               <a:rPr lang="pt-BR" dirty="0" smtClean="0"/>
-              <a:t>ciclo:</a:t>
-            </a:r>
-          </a:p>
-          <a:p>
-            <a:r>
-              <a:rPr lang="pt-BR" dirty="0" smtClean="0"/>
-              <a:t>	</a:t>
-            </a:r>
-            <a:r>
-              <a:rPr lang="pt-BR" dirty="0" smtClean="0"/>
-              <a:t>- 1st </a:t>
+              <a:t>	- 1st </a:t>
             </a:r>
             <a:r>
               <a:rPr lang="pt-BR" dirty="0" err="1" smtClean="0"/>
@@ -6690,48 +6629,34 @@
             </a:r>
             <a:r>
               <a:rPr lang="pt-BR" dirty="0" smtClean="0"/>
-              <a:t>- </a:t>
-            </a:r>
+              <a:t>- rever atrito no ar </a:t>
+            </a:r>
+          </a:p>
+          <a:p>
             <a:r>
               <a:rPr lang="pt-BR" dirty="0" smtClean="0"/>
-              <a:t>rever atrito no ar </a:t>
-            </a:r>
-            <a:endParaRPr lang="pt-BR" dirty="0" smtClean="0"/>
+              <a:t>	- Dash? (invulnerável?)</a:t>
+            </a:r>
+          </a:p>
+          <a:p>
+            <a:r>
+              <a:rPr lang="pt-BR" dirty="0"/>
+              <a:t>	-criar desenhos para espetos, fogo, choque</a:t>
+            </a:r>
           </a:p>
           <a:p>
             <a:r>
               <a:rPr lang="pt-BR" dirty="0" smtClean="0"/>
-              <a:t>	- </a:t>
-            </a:r>
-            <a:r>
-              <a:rPr lang="pt-BR" dirty="0" smtClean="0"/>
-              <a:t>Dash? (invulnerável?)</a:t>
-            </a:r>
-          </a:p>
-          <a:p>
+              <a:t> </a:t>
+            </a:r>
             <a:r>
               <a:rPr lang="pt-BR" dirty="0"/>
               <a:t>	</a:t>
             </a:r>
             <a:r>
               <a:rPr lang="pt-BR" dirty="0" smtClean="0"/>
-              <a:t>- </a:t>
-            </a:r>
-            <a:r>
-              <a:rPr lang="pt-BR" dirty="0" smtClean="0"/>
-              <a:t>plataformas moveis</a:t>
-            </a:r>
-          </a:p>
-          <a:p>
-            <a:r>
-              <a:rPr lang="pt-BR" dirty="0"/>
-              <a:t>	</a:t>
-            </a:r>
-            <a:r>
-              <a:rPr lang="pt-BR" dirty="0" smtClean="0"/>
               <a:t>- Mecânicas do  primeiro chefão</a:t>
             </a:r>
-            <a:endParaRPr lang="pt-BR" dirty="0" smtClean="0"/>
           </a:p>
           <a:p>
             <a:r>

--- a/GDD/Ciclo de trabalho.pptx
+++ b/GDD/Ciclo de trabalho.pptx
@@ -3479,7 +3479,7 @@
           <a:p>
             <a:fld id="{033C220F-AFE8-4CCC-95E1-E0424241E150}" type="datetimeFigureOut">
               <a:rPr lang="pt-BR" smtClean="0"/>
-              <a:t>04/10/2017</a:t>
+              <a:t>07/10/2017</a:t>
             </a:fld>
             <a:endParaRPr lang="pt-BR"/>
           </a:p>
@@ -3649,7 +3649,7 @@
           <a:p>
             <a:fld id="{033C220F-AFE8-4CCC-95E1-E0424241E150}" type="datetimeFigureOut">
               <a:rPr lang="pt-BR" smtClean="0"/>
-              <a:t>04/10/2017</a:t>
+              <a:t>07/10/2017</a:t>
             </a:fld>
             <a:endParaRPr lang="pt-BR"/>
           </a:p>
@@ -3829,7 +3829,7 @@
           <a:p>
             <a:fld id="{033C220F-AFE8-4CCC-95E1-E0424241E150}" type="datetimeFigureOut">
               <a:rPr lang="pt-BR" smtClean="0"/>
-              <a:t>04/10/2017</a:t>
+              <a:t>07/10/2017</a:t>
             </a:fld>
             <a:endParaRPr lang="pt-BR"/>
           </a:p>
@@ -3999,7 +3999,7 @@
           <a:p>
             <a:fld id="{033C220F-AFE8-4CCC-95E1-E0424241E150}" type="datetimeFigureOut">
               <a:rPr lang="pt-BR" smtClean="0"/>
-              <a:t>04/10/2017</a:t>
+              <a:t>07/10/2017</a:t>
             </a:fld>
             <a:endParaRPr lang="pt-BR"/>
           </a:p>
@@ -4245,7 +4245,7 @@
           <a:p>
             <a:fld id="{033C220F-AFE8-4CCC-95E1-E0424241E150}" type="datetimeFigureOut">
               <a:rPr lang="pt-BR" smtClean="0"/>
-              <a:t>04/10/2017</a:t>
+              <a:t>07/10/2017</a:t>
             </a:fld>
             <a:endParaRPr lang="pt-BR"/>
           </a:p>
@@ -4477,7 +4477,7 @@
           <a:p>
             <a:fld id="{033C220F-AFE8-4CCC-95E1-E0424241E150}" type="datetimeFigureOut">
               <a:rPr lang="pt-BR" smtClean="0"/>
-              <a:t>04/10/2017</a:t>
+              <a:t>07/10/2017</a:t>
             </a:fld>
             <a:endParaRPr lang="pt-BR"/>
           </a:p>
@@ -4844,7 +4844,7 @@
           <a:p>
             <a:fld id="{033C220F-AFE8-4CCC-95E1-E0424241E150}" type="datetimeFigureOut">
               <a:rPr lang="pt-BR" smtClean="0"/>
-              <a:t>04/10/2017</a:t>
+              <a:t>07/10/2017</a:t>
             </a:fld>
             <a:endParaRPr lang="pt-BR"/>
           </a:p>
@@ -4962,7 +4962,7 @@
           <a:p>
             <a:fld id="{033C220F-AFE8-4CCC-95E1-E0424241E150}" type="datetimeFigureOut">
               <a:rPr lang="pt-BR" smtClean="0"/>
-              <a:t>04/10/2017</a:t>
+              <a:t>07/10/2017</a:t>
             </a:fld>
             <a:endParaRPr lang="pt-BR"/>
           </a:p>
@@ -5057,7 +5057,7 @@
           <a:p>
             <a:fld id="{033C220F-AFE8-4CCC-95E1-E0424241E150}" type="datetimeFigureOut">
               <a:rPr lang="pt-BR" smtClean="0"/>
-              <a:t>04/10/2017</a:t>
+              <a:t>07/10/2017</a:t>
             </a:fld>
             <a:endParaRPr lang="pt-BR"/>
           </a:p>
@@ -5334,7 +5334,7 @@
           <a:p>
             <a:fld id="{033C220F-AFE8-4CCC-95E1-E0424241E150}" type="datetimeFigureOut">
               <a:rPr lang="pt-BR" smtClean="0"/>
-              <a:t>04/10/2017</a:t>
+              <a:t>07/10/2017</a:t>
             </a:fld>
             <a:endParaRPr lang="pt-BR"/>
           </a:p>
@@ -5587,7 +5587,7 @@
           <a:p>
             <a:fld id="{033C220F-AFE8-4CCC-95E1-E0424241E150}" type="datetimeFigureOut">
               <a:rPr lang="pt-BR" smtClean="0"/>
-              <a:t>04/10/2017</a:t>
+              <a:t>07/10/2017</a:t>
             </a:fld>
             <a:endParaRPr lang="pt-BR"/>
           </a:p>
@@ -5800,7 +5800,7 @@
           <a:p>
             <a:fld id="{033C220F-AFE8-4CCC-95E1-E0424241E150}" type="datetimeFigureOut">
               <a:rPr lang="pt-BR" smtClean="0"/>
-              <a:t>04/10/2017</a:t>
+              <a:t>07/10/2017</a:t>
             </a:fld>
             <a:endParaRPr lang="pt-BR"/>
           </a:p>
@@ -6399,8 +6399,8 @@
         </p:nvSpPr>
         <p:spPr>
           <a:xfrm>
-            <a:off x="5904237" y="1328814"/>
-            <a:ext cx="5883479" cy="2308324"/>
+            <a:off x="8633256" y="25749"/>
+            <a:ext cx="2125361" cy="1200329"/>
           </a:xfrm>
           <a:prstGeom prst="rect">
             <a:avLst/>
@@ -6414,123 +6414,111 @@
           <a:lstStyle/>
           <a:p>
             <a:r>
-              <a:rPr lang="pt-BR" dirty="0" smtClean="0"/>
+              <a:rPr lang="pt-BR" sz="900" dirty="0" smtClean="0"/>
               <a:t>Terceiro ciclo:</a:t>
             </a:r>
           </a:p>
           <a:p>
             <a:r>
-              <a:rPr lang="pt-BR" dirty="0" smtClean="0"/>
-              <a:t>	</a:t>
-            </a:r>
-            <a:r>
-              <a:rPr lang="pt-BR" strike="sngStrike" dirty="0" smtClean="0"/>
+              <a:rPr lang="pt-BR" sz="900" strike="sngStrike" dirty="0" smtClean="0"/>
               <a:t>-</a:t>
             </a:r>
             <a:r>
-              <a:rPr lang="pt-BR" strike="sngStrike" dirty="0" err="1" smtClean="0"/>
+              <a:rPr lang="pt-BR" sz="900" strike="sngStrike" dirty="0" err="1" smtClean="0"/>
               <a:t>backgrund</a:t>
             </a:r>
             <a:r>
-              <a:rPr lang="pt-BR" strike="sngStrike" dirty="0" smtClean="0"/>
+              <a:rPr lang="pt-BR" sz="900" strike="sngStrike" dirty="0" smtClean="0"/>
               <a:t> do primeiro </a:t>
             </a:r>
             <a:r>
-              <a:rPr lang="pt-BR" strike="sngStrike" dirty="0" err="1" smtClean="0"/>
+              <a:rPr lang="pt-BR" sz="900" strike="sngStrike" dirty="0" err="1" smtClean="0"/>
               <a:t>level</a:t>
             </a:r>
-            <a:endParaRPr lang="pt-BR" strike="sngStrike" dirty="0" smtClean="0"/>
-          </a:p>
-          <a:p>
-            <a:r>
-              <a:rPr lang="pt-BR" dirty="0"/>
-              <a:t>	</a:t>
-            </a:r>
-            <a:r>
-              <a:rPr lang="pt-BR" strike="sngStrike" dirty="0" smtClean="0"/>
-              <a:t>-animação </a:t>
-            </a:r>
-            <a:r>
-              <a:rPr lang="pt-BR" strike="sngStrike" dirty="0" err="1" smtClean="0"/>
+            <a:endParaRPr lang="pt-BR" sz="900" strike="sngStrike" dirty="0" smtClean="0"/>
+          </a:p>
+          <a:p>
+            <a:r>
+              <a:rPr lang="pt-BR" sz="900" strike="sngStrike" dirty="0" smtClean="0"/>
+              <a:t>-</a:t>
+            </a:r>
+            <a:r>
+              <a:rPr lang="pt-BR" sz="900" strike="sngStrike" dirty="0" smtClean="0"/>
+              <a:t>animação </a:t>
+            </a:r>
+            <a:r>
+              <a:rPr lang="pt-BR" sz="900" strike="sngStrike" dirty="0" err="1" smtClean="0"/>
               <a:t>idle</a:t>
             </a:r>
-            <a:endParaRPr lang="pt-BR" strike="sngStrike" dirty="0" smtClean="0"/>
-          </a:p>
-          <a:p>
-            <a:r>
-              <a:rPr lang="pt-BR" dirty="0"/>
-              <a:t>	</a:t>
-            </a:r>
-            <a:r>
-              <a:rPr lang="pt-BR" strike="sngStrike" dirty="0" smtClean="0"/>
-              <a:t>- Melhorar percepção do pulo</a:t>
-            </a:r>
-          </a:p>
-          <a:p>
-            <a:r>
-              <a:rPr lang="pt-BR" dirty="0" smtClean="0"/>
-              <a:t>	</a:t>
-            </a:r>
-            <a:r>
-              <a:rPr lang="pt-BR" strike="sngStrike" dirty="0" smtClean="0"/>
+            <a:endParaRPr lang="pt-BR" sz="900" strike="sngStrike" dirty="0" smtClean="0"/>
+          </a:p>
+          <a:p>
+            <a:r>
+              <a:rPr lang="pt-BR" sz="900" strike="sngStrike" dirty="0" smtClean="0"/>
               <a:t>- </a:t>
             </a:r>
             <a:r>
-              <a:rPr lang="pt-BR" strike="sngStrike" dirty="0" err="1" smtClean="0"/>
+              <a:rPr lang="pt-BR" sz="900" strike="sngStrike" dirty="0" smtClean="0"/>
+              <a:t>Melhorar percepção do pulo</a:t>
+            </a:r>
+          </a:p>
+          <a:p>
+            <a:r>
+              <a:rPr lang="pt-BR" sz="900" strike="sngStrike" dirty="0" smtClean="0"/>
+              <a:t>- </a:t>
+            </a:r>
+            <a:r>
+              <a:rPr lang="pt-BR" sz="900" strike="sngStrike" dirty="0" err="1" smtClean="0"/>
               <a:t>wall</a:t>
             </a:r>
             <a:r>
-              <a:rPr lang="pt-BR" strike="sngStrike" dirty="0" smtClean="0"/>
+              <a:rPr lang="pt-BR" sz="900" strike="sngStrike" dirty="0" smtClean="0"/>
               <a:t> </a:t>
             </a:r>
             <a:r>
-              <a:rPr lang="pt-BR" strike="sngStrike" dirty="0" err="1" smtClean="0"/>
+              <a:rPr lang="pt-BR" sz="900" strike="sngStrike" dirty="0" err="1" smtClean="0"/>
               <a:t>jump</a:t>
             </a:r>
-            <a:endParaRPr lang="pt-BR" strike="sngStrike" dirty="0" smtClean="0"/>
-          </a:p>
-          <a:p>
-            <a:r>
-              <a:rPr lang="pt-BR" dirty="0"/>
-              <a:t>	</a:t>
-            </a:r>
-            <a:r>
-              <a:rPr lang="pt-BR" dirty="0" smtClean="0"/>
+            <a:endParaRPr lang="pt-BR" sz="900" strike="sngStrike" dirty="0" smtClean="0"/>
+          </a:p>
+          <a:p>
+            <a:r>
+              <a:rPr lang="pt-BR" sz="900" dirty="0" smtClean="0"/>
               <a:t>- </a:t>
             </a:r>
             <a:r>
-              <a:rPr lang="pt-BR" strike="sngStrike" dirty="0"/>
+              <a:rPr lang="pt-BR" sz="900" strike="sngStrike" dirty="0"/>
               <a:t>plataformas moveis</a:t>
             </a:r>
           </a:p>
           <a:p>
             <a:r>
-              <a:rPr lang="pt-BR" dirty="0"/>
-              <a:t>	</a:t>
-            </a:r>
-            <a:r>
-              <a:rPr lang="pt-BR" strike="sngStrike" dirty="0" smtClean="0"/>
-              <a:t>- criar a IA do inimigo fazendo ele andar</a:t>
-            </a:r>
-          </a:p>
-          <a:p>
-            <a:r>
-              <a:rPr lang="pt-BR" dirty="0"/>
-              <a:t>	</a:t>
-            </a:r>
-            <a:r>
-              <a:rPr lang="pt-BR" strike="sngStrike" dirty="0" smtClean="0"/>
-              <a:t>- game </a:t>
-            </a:r>
-            <a:r>
-              <a:rPr lang="pt-BR" strike="sngStrike" dirty="0" err="1" smtClean="0"/>
+              <a:rPr lang="pt-BR" sz="900" strike="sngStrike" dirty="0" smtClean="0"/>
+              <a:t>- </a:t>
+            </a:r>
+            <a:r>
+              <a:rPr lang="pt-BR" sz="900" strike="sngStrike" dirty="0" smtClean="0"/>
+              <a:t>criar a IA do inimigo fazendo ele andar</a:t>
+            </a:r>
+          </a:p>
+          <a:p>
+            <a:r>
+              <a:rPr lang="pt-BR" sz="900" strike="sngStrike" dirty="0" smtClean="0"/>
+              <a:t>- </a:t>
+            </a:r>
+            <a:r>
+              <a:rPr lang="pt-BR" sz="900" strike="sngStrike" dirty="0" smtClean="0"/>
+              <a:t>game </a:t>
+            </a:r>
+            <a:r>
+              <a:rPr lang="pt-BR" sz="900" strike="sngStrike" dirty="0" err="1" smtClean="0"/>
               <a:t>pad</a:t>
             </a:r>
             <a:r>
-              <a:rPr lang="pt-BR" strike="sngStrike" dirty="0" smtClean="0"/>
+              <a:rPr lang="pt-BR" sz="900" strike="sngStrike" dirty="0" smtClean="0"/>
               <a:t> funcionar nos menus.</a:t>
             </a:r>
-            <a:endParaRPr lang="pt-BR" strike="sngStrike" dirty="0"/>
+            <a:endParaRPr lang="pt-BR" sz="900" strike="sngStrike" dirty="0"/>
           </a:p>
         </p:txBody>
       </p:sp>
@@ -6542,8 +6530,8 @@
         </p:nvSpPr>
         <p:spPr>
           <a:xfrm>
-            <a:off x="5904238" y="3675609"/>
-            <a:ext cx="5883479" cy="2308324"/>
+            <a:off x="5749254" y="1210282"/>
+            <a:ext cx="5883479" cy="2862322"/>
           </a:xfrm>
           <a:prstGeom prst="rect">
             <a:avLst/>
@@ -6583,38 +6571,206 @@
           <a:p>
             <a:r>
               <a:rPr lang="pt-BR" dirty="0" smtClean="0"/>
-              <a:t>	- 1st </a:t>
+              <a:t>	</a:t>
+            </a:r>
+            <a:r>
+              <a:rPr lang="pt-BR" strike="sngStrike" dirty="0" smtClean="0"/>
+              <a:t>- 1st </a:t>
+            </a:r>
+            <a:r>
+              <a:rPr lang="pt-BR" strike="sngStrike" dirty="0" err="1" smtClean="0"/>
+              <a:t>Level</a:t>
+            </a:r>
+            <a:r>
+              <a:rPr lang="pt-BR" strike="sngStrike" dirty="0" smtClean="0"/>
+              <a:t> </a:t>
+            </a:r>
+            <a:r>
+              <a:rPr lang="pt-BR" strike="sngStrike" dirty="0" err="1" smtClean="0"/>
+              <a:t>Desing</a:t>
+            </a:r>
+            <a:endParaRPr lang="pt-BR" strike="sngStrike" dirty="0" smtClean="0"/>
+          </a:p>
+          <a:p>
+            <a:r>
+              <a:rPr lang="pt-BR" dirty="0"/>
+              <a:t>	</a:t>
+            </a:r>
+            <a:r>
+              <a:rPr lang="pt-BR" strike="sngStrike" dirty="0" smtClean="0"/>
+              <a:t>- </a:t>
+            </a:r>
+            <a:r>
+              <a:rPr lang="pt-BR" strike="sngStrike" dirty="0" smtClean="0"/>
+              <a:t>Corrigir dano e permitir </a:t>
+            </a:r>
+            <a:r>
+              <a:rPr lang="pt-BR" strike="sngStrike" dirty="0" err="1" smtClean="0"/>
+              <a:t>crirar</a:t>
+            </a:r>
+            <a:r>
+              <a:rPr lang="pt-BR" strike="sngStrike" dirty="0" smtClean="0"/>
+              <a:t> mecânica de matar o </a:t>
+            </a:r>
+            <a:r>
+              <a:rPr lang="pt-BR" strike="sngStrike" dirty="0" err="1" smtClean="0"/>
+              <a:t>mik</a:t>
+            </a:r>
+            <a:r>
+              <a:rPr lang="pt-BR" strike="sngStrike" dirty="0" smtClean="0"/>
+              <a:t> </a:t>
+            </a:r>
+            <a:r>
+              <a:rPr lang="pt-BR" dirty="0" smtClean="0"/>
+              <a:t>Fazer o personagem saber que matou o </a:t>
             </a:r>
             <a:r>
               <a:rPr lang="pt-BR" dirty="0" err="1" smtClean="0"/>
-              <a:t>Level</a:t>
-            </a:r>
+              <a:t>mik</a:t>
+            </a:r>
+            <a:r>
+              <a:rPr lang="pt-BR" dirty="0" smtClean="0"/>
+              <a:t> (</a:t>
+            </a:r>
+            <a:r>
+              <a:rPr lang="pt-BR" dirty="0" err="1" smtClean="0"/>
+              <a:t>add</a:t>
+            </a:r>
+            <a:r>
+              <a:rPr lang="pt-BR" dirty="0" smtClean="0"/>
+              <a:t> pulo)</a:t>
+            </a:r>
+            <a:r>
+              <a:rPr lang="pt-BR" dirty="0"/>
+              <a:t>	</a:t>
+            </a:r>
+            <a:endParaRPr lang="pt-BR" dirty="0" smtClean="0"/>
+          </a:p>
+          <a:p>
+            <a:r>
+              <a:rPr lang="pt-BR" dirty="0"/>
+              <a:t>	</a:t>
+            </a:r>
+            <a:r>
+              <a:rPr lang="pt-BR" dirty="0" smtClean="0"/>
+              <a:t>- </a:t>
+            </a:r>
+            <a:r>
+              <a:rPr lang="pt-BR" dirty="0" smtClean="0"/>
+              <a:t>rever atrito no ar </a:t>
+            </a:r>
+          </a:p>
+          <a:p>
+            <a:r>
+              <a:rPr lang="pt-BR" dirty="0" smtClean="0"/>
+              <a:t>	- Dash? (invulnerável?)</a:t>
+            </a:r>
+          </a:p>
+          <a:p>
+            <a:r>
+              <a:rPr lang="pt-BR" dirty="0"/>
+              <a:t>	</a:t>
+            </a:r>
+            <a:r>
+              <a:rPr lang="pt-BR" dirty="0" smtClean="0"/>
+              <a:t>- criar </a:t>
+            </a:r>
+            <a:r>
+              <a:rPr lang="pt-BR" dirty="0"/>
+              <a:t>desenhos para espetos, fogo, choque</a:t>
+            </a:r>
+          </a:p>
+          <a:p>
             <a:r>
               <a:rPr lang="pt-BR" dirty="0" smtClean="0"/>
               <a:t> </a:t>
             </a:r>
             <a:r>
-              <a:rPr lang="pt-BR" dirty="0" err="1" smtClean="0"/>
-              <a:t>Desing</a:t>
-            </a:r>
-            <a:endParaRPr lang="pt-BR" dirty="0" smtClean="0"/>
-          </a:p>
-          <a:p>
-            <a:r>
               <a:rPr lang="pt-BR" dirty="0"/>
               <a:t>	</a:t>
             </a:r>
             <a:r>
               <a:rPr lang="pt-BR" dirty="0" smtClean="0"/>
-              <a:t>- animação </a:t>
+              <a:t>- Mecânicas do  primeiro chefão</a:t>
+            </a:r>
+          </a:p>
+          <a:p>
+            <a:r>
+              <a:rPr lang="pt-BR" dirty="0"/>
+              <a:t>	</a:t>
+            </a:r>
+            <a:r>
+              <a:rPr lang="pt-BR" dirty="0" smtClean="0"/>
+              <a:t>- melhorar código dos corações e adicionar vidas</a:t>
+            </a:r>
+            <a:endParaRPr lang="pt-BR" dirty="0"/>
+          </a:p>
+        </p:txBody>
+      </p:sp>
+      <p:sp>
+        <p:nvSpPr>
+          <p:cNvPr id="9" name="CaixaDeTexto 8"/>
+          <p:cNvSpPr txBox="1"/>
+          <p:nvPr/>
+        </p:nvSpPr>
+        <p:spPr>
+          <a:xfrm>
+            <a:off x="5588617" y="3995678"/>
+            <a:ext cx="5883479" cy="2862322"/>
+          </a:xfrm>
+          <a:prstGeom prst="rect">
+            <a:avLst/>
+          </a:prstGeom>
+          <a:noFill/>
+        </p:spPr>
+        <p:txBody>
+          <a:bodyPr wrap="square" rtlCol="0">
+            <a:spAutoFit/>
+          </a:bodyPr>
+          <a:lstStyle/>
+          <a:p>
+            <a:r>
+              <a:rPr lang="pt-BR" dirty="0" smtClean="0"/>
+              <a:t>Quinto </a:t>
+            </a:r>
+            <a:r>
+              <a:rPr lang="pt-BR" dirty="0" smtClean="0"/>
+              <a:t>ciclo</a:t>
+            </a:r>
+            <a:r>
+              <a:rPr lang="pt-BR" dirty="0" smtClean="0">
+                <a:sym typeface="Wingdings" panose="05000000000000000000" pitchFamily="2" charset="2"/>
+              </a:rPr>
+              <a:t>:</a:t>
+            </a:r>
+            <a:endParaRPr lang="pt-BR" dirty="0" smtClean="0"/>
+          </a:p>
+          <a:p>
+            <a:r>
+              <a:rPr lang="pt-BR" dirty="0" smtClean="0"/>
+              <a:t>	</a:t>
+            </a:r>
+            <a:r>
+              <a:rPr lang="pt-BR" dirty="0" smtClean="0"/>
+              <a:t>- Remodelar </a:t>
             </a:r>
             <a:r>
               <a:rPr lang="pt-BR" dirty="0" err="1" smtClean="0"/>
-              <a:t>walking</a:t>
+              <a:t>level</a:t>
             </a:r>
             <a:r>
               <a:rPr lang="pt-BR" dirty="0" smtClean="0"/>
-              <a:t> // Melhorar </a:t>
+              <a:t> 1 com tiles simples ou copiados</a:t>
+            </a:r>
+          </a:p>
+          <a:p>
+            <a:r>
+              <a:rPr lang="pt-BR" dirty="0"/>
+              <a:t>	</a:t>
+            </a:r>
+            <a:r>
+              <a:rPr lang="pt-BR" dirty="0" smtClean="0"/>
+              <a:t>- Montar animações de pulo corrida e </a:t>
             </a:r>
             <a:r>
               <a:rPr lang="pt-BR" dirty="0" err="1" smtClean="0"/>
@@ -6629,34 +6785,57 @@
             </a:r>
             <a:r>
               <a:rPr lang="pt-BR" dirty="0" smtClean="0"/>
-              <a:t>- rever atrito no ar </a:t>
-            </a:r>
-          </a:p>
-          <a:p>
+              <a:t>-Wall </a:t>
+            </a:r>
+            <a:r>
+              <a:rPr lang="pt-BR" dirty="0" err="1" smtClean="0"/>
+              <a:t>jump</a:t>
+            </a:r>
             <a:r>
               <a:rPr lang="pt-BR" dirty="0" smtClean="0"/>
-              <a:t>	- Dash? (invulnerável?)</a:t>
+              <a:t> – restringir o controle do player para que ele não sabote o próprio pulo na parede</a:t>
             </a:r>
           </a:p>
           <a:p>
             <a:r>
               <a:rPr lang="pt-BR" dirty="0"/>
-              <a:t>	-criar desenhos para espetos, fogo, choque</a:t>
-            </a:r>
-          </a:p>
-          <a:p>
+              <a:t>	</a:t>
+            </a:r>
+            <a:r>
+              <a:rPr lang="pt-BR" dirty="0" smtClean="0"/>
+              <a:t>- programar o </a:t>
+            </a:r>
+            <a:r>
+              <a:rPr lang="pt-BR" dirty="0" err="1" smtClean="0"/>
+              <a:t>wall</a:t>
+            </a:r>
             <a:r>
               <a:rPr lang="pt-BR" dirty="0" smtClean="0"/>
               <a:t> </a:t>
             </a:r>
             <a:r>
+              <a:rPr lang="pt-BR" dirty="0" err="1" smtClean="0"/>
+              <a:t>jump</a:t>
+            </a:r>
+            <a:r>
+              <a:rPr lang="pt-BR" dirty="0" smtClean="0"/>
+              <a:t> para ser coletável, isso servirá para outras habilidades.</a:t>
+            </a:r>
+          </a:p>
+          <a:p>
+            <a:r>
               <a:rPr lang="pt-BR" dirty="0"/>
               <a:t>	</a:t>
             </a:r>
             <a:r>
               <a:rPr lang="pt-BR" dirty="0" smtClean="0"/>
-              <a:t>- Mecânicas do  primeiro chefão</a:t>
-            </a:r>
+              <a:t>- animação </a:t>
+            </a:r>
+            <a:r>
+              <a:rPr lang="pt-BR" dirty="0" err="1" smtClean="0"/>
+              <a:t>mik</a:t>
+            </a:r>
+            <a:endParaRPr lang="pt-BR" dirty="0" smtClean="0"/>
           </a:p>
           <a:p>
             <a:r>
@@ -6665,7 +6844,23 @@
             </a:r>
             <a:r>
               <a:rPr lang="pt-BR" dirty="0" smtClean="0"/>
-              <a:t>- melhorar código dos corações e adicionar vidas</a:t>
+              <a:t>- Fazer ser visível qual o botão selecionado mesmo com o </a:t>
+            </a:r>
+            <a:r>
+              <a:rPr lang="pt-BR" dirty="0" err="1" smtClean="0"/>
+              <a:t>gamepad</a:t>
+            </a:r>
+            <a:r>
+              <a:rPr lang="pt-BR" dirty="0" smtClean="0"/>
+              <a:t> (mouse já é de boa com a função </a:t>
+            </a:r>
+            <a:r>
+              <a:rPr lang="pt-BR" dirty="0" err="1" smtClean="0"/>
+              <a:t>hover</a:t>
+            </a:r>
+            <a:r>
+              <a:rPr lang="pt-BR" dirty="0" smtClean="0"/>
+              <a:t>).</a:t>
             </a:r>
             <a:endParaRPr lang="pt-BR" dirty="0"/>
           </a:p>

--- a/GDD/Ciclo de trabalho.pptx
+++ b/GDD/Ciclo de trabalho.pptx
@@ -3479,7 +3479,7 @@
           <a:p>
             <a:fld id="{033C220F-AFE8-4CCC-95E1-E0424241E150}" type="datetimeFigureOut">
               <a:rPr lang="pt-BR" smtClean="0"/>
-              <a:t>07/10/2017</a:t>
+              <a:t>08/10/2017</a:t>
             </a:fld>
             <a:endParaRPr lang="pt-BR"/>
           </a:p>
@@ -3649,7 +3649,7 @@
           <a:p>
             <a:fld id="{033C220F-AFE8-4CCC-95E1-E0424241E150}" type="datetimeFigureOut">
               <a:rPr lang="pt-BR" smtClean="0"/>
-              <a:t>07/10/2017</a:t>
+              <a:t>08/10/2017</a:t>
             </a:fld>
             <a:endParaRPr lang="pt-BR"/>
           </a:p>
@@ -3829,7 +3829,7 @@
           <a:p>
             <a:fld id="{033C220F-AFE8-4CCC-95E1-E0424241E150}" type="datetimeFigureOut">
               <a:rPr lang="pt-BR" smtClean="0"/>
-              <a:t>07/10/2017</a:t>
+              <a:t>08/10/2017</a:t>
             </a:fld>
             <a:endParaRPr lang="pt-BR"/>
           </a:p>
@@ -3999,7 +3999,7 @@
           <a:p>
             <a:fld id="{033C220F-AFE8-4CCC-95E1-E0424241E150}" type="datetimeFigureOut">
               <a:rPr lang="pt-BR" smtClean="0"/>
-              <a:t>07/10/2017</a:t>
+              <a:t>08/10/2017</a:t>
             </a:fld>
             <a:endParaRPr lang="pt-BR"/>
           </a:p>
@@ -4245,7 +4245,7 @@
           <a:p>
             <a:fld id="{033C220F-AFE8-4CCC-95E1-E0424241E150}" type="datetimeFigureOut">
               <a:rPr lang="pt-BR" smtClean="0"/>
-              <a:t>07/10/2017</a:t>
+              <a:t>08/10/2017</a:t>
             </a:fld>
             <a:endParaRPr lang="pt-BR"/>
           </a:p>
@@ -4477,7 +4477,7 @@
           <a:p>
             <a:fld id="{033C220F-AFE8-4CCC-95E1-E0424241E150}" type="datetimeFigureOut">
               <a:rPr lang="pt-BR" smtClean="0"/>
-              <a:t>07/10/2017</a:t>
+              <a:t>08/10/2017</a:t>
             </a:fld>
             <a:endParaRPr lang="pt-BR"/>
           </a:p>
@@ -4844,7 +4844,7 @@
           <a:p>
             <a:fld id="{033C220F-AFE8-4CCC-95E1-E0424241E150}" type="datetimeFigureOut">
               <a:rPr lang="pt-BR" smtClean="0"/>
-              <a:t>07/10/2017</a:t>
+              <a:t>08/10/2017</a:t>
             </a:fld>
             <a:endParaRPr lang="pt-BR"/>
           </a:p>
@@ -4962,7 +4962,7 @@
           <a:p>
             <a:fld id="{033C220F-AFE8-4CCC-95E1-E0424241E150}" type="datetimeFigureOut">
               <a:rPr lang="pt-BR" smtClean="0"/>
-              <a:t>07/10/2017</a:t>
+              <a:t>08/10/2017</a:t>
             </a:fld>
             <a:endParaRPr lang="pt-BR"/>
           </a:p>
@@ -5057,7 +5057,7 @@
           <a:p>
             <a:fld id="{033C220F-AFE8-4CCC-95E1-E0424241E150}" type="datetimeFigureOut">
               <a:rPr lang="pt-BR" smtClean="0"/>
-              <a:t>07/10/2017</a:t>
+              <a:t>08/10/2017</a:t>
             </a:fld>
             <a:endParaRPr lang="pt-BR"/>
           </a:p>
@@ -5334,7 +5334,7 @@
           <a:p>
             <a:fld id="{033C220F-AFE8-4CCC-95E1-E0424241E150}" type="datetimeFigureOut">
               <a:rPr lang="pt-BR" smtClean="0"/>
-              <a:t>07/10/2017</a:t>
+              <a:t>08/10/2017</a:t>
             </a:fld>
             <a:endParaRPr lang="pt-BR"/>
           </a:p>
@@ -5587,7 +5587,7 @@
           <a:p>
             <a:fld id="{033C220F-AFE8-4CCC-95E1-E0424241E150}" type="datetimeFigureOut">
               <a:rPr lang="pt-BR" smtClean="0"/>
-              <a:t>07/10/2017</a:t>
+              <a:t>08/10/2017</a:t>
             </a:fld>
             <a:endParaRPr lang="pt-BR"/>
           </a:p>
@@ -5800,7 +5800,7 @@
           <a:p>
             <a:fld id="{033C220F-AFE8-4CCC-95E1-E0424241E150}" type="datetimeFigureOut">
               <a:rPr lang="pt-BR" smtClean="0"/>
-              <a:t>07/10/2017</a:t>
+              <a:t>08/10/2017</a:t>
             </a:fld>
             <a:endParaRPr lang="pt-BR"/>
           </a:p>
@@ -6440,11 +6440,7 @@
           <a:p>
             <a:r>
               <a:rPr lang="pt-BR" sz="900" strike="sngStrike" dirty="0" smtClean="0"/>
-              <a:t>-</a:t>
-            </a:r>
-            <a:r>
-              <a:rPr lang="pt-BR" sz="900" strike="sngStrike" dirty="0" smtClean="0"/>
-              <a:t>animação </a:t>
+              <a:t>-animação </a:t>
             </a:r>
             <a:r>
               <a:rPr lang="pt-BR" sz="900" strike="sngStrike" dirty="0" err="1" smtClean="0"/>
@@ -6455,11 +6451,7 @@
           <a:p>
             <a:r>
               <a:rPr lang="pt-BR" sz="900" strike="sngStrike" dirty="0" smtClean="0"/>
-              <a:t>- </a:t>
-            </a:r>
-            <a:r>
-              <a:rPr lang="pt-BR" sz="900" strike="sngStrike" dirty="0" smtClean="0"/>
-              <a:t>Melhorar percepção do pulo</a:t>
+              <a:t>- Melhorar percepção do pulo</a:t>
             </a:r>
           </a:p>
           <a:p>
@@ -6494,21 +6486,13 @@
           <a:p>
             <a:r>
               <a:rPr lang="pt-BR" sz="900" strike="sngStrike" dirty="0" smtClean="0"/>
-              <a:t>- </a:t>
-            </a:r>
+              <a:t>- criar a IA do inimigo fazendo ele andar</a:t>
+            </a:r>
+          </a:p>
+          <a:p>
             <a:r>
               <a:rPr lang="pt-BR" sz="900" strike="sngStrike" dirty="0" smtClean="0"/>
-              <a:t>criar a IA do inimigo fazendo ele andar</a:t>
-            </a:r>
-          </a:p>
-          <a:p>
-            <a:r>
-              <a:rPr lang="pt-BR" sz="900" strike="sngStrike" dirty="0" smtClean="0"/>
-              <a:t>- </a:t>
-            </a:r>
-            <a:r>
-              <a:rPr lang="pt-BR" sz="900" strike="sngStrike" dirty="0" smtClean="0"/>
-              <a:t>game </a:t>
+              <a:t>- game </a:t>
             </a:r>
             <a:r>
               <a:rPr lang="pt-BR" sz="900" strike="sngStrike" dirty="0" err="1" smtClean="0"/>
@@ -6598,11 +6582,7 @@
             </a:r>
             <a:r>
               <a:rPr lang="pt-BR" strike="sngStrike" dirty="0" smtClean="0"/>
-              <a:t>- </a:t>
-            </a:r>
-            <a:r>
-              <a:rPr lang="pt-BR" strike="sngStrike" dirty="0" smtClean="0"/>
-              <a:t>Corrigir dano e permitir </a:t>
+              <a:t>- Corrigir dano e permitir </a:t>
             </a:r>
             <a:r>
               <a:rPr lang="pt-BR" strike="sngStrike" dirty="0" err="1" smtClean="0"/>
@@ -6653,11 +6633,7 @@
             </a:r>
             <a:r>
               <a:rPr lang="pt-BR" dirty="0" smtClean="0"/>
-              <a:t>- </a:t>
-            </a:r>
-            <a:r>
-              <a:rPr lang="pt-BR" dirty="0" smtClean="0"/>
-              <a:t>rever atrito no ar </a:t>
+              <a:t>- rever atrito no ar </a:t>
             </a:r>
           </a:p>
           <a:p>
@@ -6731,11 +6707,7 @@
           <a:p>
             <a:r>
               <a:rPr lang="pt-BR" dirty="0" smtClean="0"/>
-              <a:t>Quinto </a:t>
-            </a:r>
-            <a:r>
-              <a:rPr lang="pt-BR" dirty="0" smtClean="0"/>
-              <a:t>ciclo</a:t>
+              <a:t>Quinto ciclo</a:t>
             </a:r>
             <a:r>
               <a:rPr lang="pt-BR" dirty="0" smtClean="0">
@@ -6748,11 +6720,7 @@
           <a:p>
             <a:r>
               <a:rPr lang="pt-BR" dirty="0" smtClean="0"/>
-              <a:t>	</a:t>
-            </a:r>
-            <a:r>
-              <a:rPr lang="pt-BR" dirty="0" smtClean="0"/>
-              <a:t>- Remodelar </a:t>
+              <a:t>	- Remodelar </a:t>
             </a:r>
             <a:r>
               <a:rPr lang="pt-BR" dirty="0" err="1" smtClean="0"/>

--- a/GDD/Ciclo de trabalho.pptx
+++ b/GDD/Ciclo de trabalho.pptx
@@ -3479,7 +3479,7 @@
           <a:p>
             <a:fld id="{033C220F-AFE8-4CCC-95E1-E0424241E150}" type="datetimeFigureOut">
               <a:rPr lang="pt-BR" smtClean="0"/>
-              <a:t>08/10/2017</a:t>
+              <a:t>14/10/2017</a:t>
             </a:fld>
             <a:endParaRPr lang="pt-BR"/>
           </a:p>
@@ -3649,7 +3649,7 @@
           <a:p>
             <a:fld id="{033C220F-AFE8-4CCC-95E1-E0424241E150}" type="datetimeFigureOut">
               <a:rPr lang="pt-BR" smtClean="0"/>
-              <a:t>08/10/2017</a:t>
+              <a:t>14/10/2017</a:t>
             </a:fld>
             <a:endParaRPr lang="pt-BR"/>
           </a:p>
@@ -3829,7 +3829,7 @@
           <a:p>
             <a:fld id="{033C220F-AFE8-4CCC-95E1-E0424241E150}" type="datetimeFigureOut">
               <a:rPr lang="pt-BR" smtClean="0"/>
-              <a:t>08/10/2017</a:t>
+              <a:t>14/10/2017</a:t>
             </a:fld>
             <a:endParaRPr lang="pt-BR"/>
           </a:p>
@@ -3999,7 +3999,7 @@
           <a:p>
             <a:fld id="{033C220F-AFE8-4CCC-95E1-E0424241E150}" type="datetimeFigureOut">
               <a:rPr lang="pt-BR" smtClean="0"/>
-              <a:t>08/10/2017</a:t>
+              <a:t>14/10/2017</a:t>
             </a:fld>
             <a:endParaRPr lang="pt-BR"/>
           </a:p>
@@ -4245,7 +4245,7 @@
           <a:p>
             <a:fld id="{033C220F-AFE8-4CCC-95E1-E0424241E150}" type="datetimeFigureOut">
               <a:rPr lang="pt-BR" smtClean="0"/>
-              <a:t>08/10/2017</a:t>
+              <a:t>14/10/2017</a:t>
             </a:fld>
             <a:endParaRPr lang="pt-BR"/>
           </a:p>
@@ -4477,7 +4477,7 @@
           <a:p>
             <a:fld id="{033C220F-AFE8-4CCC-95E1-E0424241E150}" type="datetimeFigureOut">
               <a:rPr lang="pt-BR" smtClean="0"/>
-              <a:t>08/10/2017</a:t>
+              <a:t>14/10/2017</a:t>
             </a:fld>
             <a:endParaRPr lang="pt-BR"/>
           </a:p>
@@ -4844,7 +4844,7 @@
           <a:p>
             <a:fld id="{033C220F-AFE8-4CCC-95E1-E0424241E150}" type="datetimeFigureOut">
               <a:rPr lang="pt-BR" smtClean="0"/>
-              <a:t>08/10/2017</a:t>
+              <a:t>14/10/2017</a:t>
             </a:fld>
             <a:endParaRPr lang="pt-BR"/>
           </a:p>
@@ -4962,7 +4962,7 @@
           <a:p>
             <a:fld id="{033C220F-AFE8-4CCC-95E1-E0424241E150}" type="datetimeFigureOut">
               <a:rPr lang="pt-BR" smtClean="0"/>
-              <a:t>08/10/2017</a:t>
+              <a:t>14/10/2017</a:t>
             </a:fld>
             <a:endParaRPr lang="pt-BR"/>
           </a:p>
@@ -5057,7 +5057,7 @@
           <a:p>
             <a:fld id="{033C220F-AFE8-4CCC-95E1-E0424241E150}" type="datetimeFigureOut">
               <a:rPr lang="pt-BR" smtClean="0"/>
-              <a:t>08/10/2017</a:t>
+              <a:t>14/10/2017</a:t>
             </a:fld>
             <a:endParaRPr lang="pt-BR"/>
           </a:p>
@@ -5334,7 +5334,7 @@
           <a:p>
             <a:fld id="{033C220F-AFE8-4CCC-95E1-E0424241E150}" type="datetimeFigureOut">
               <a:rPr lang="pt-BR" smtClean="0"/>
-              <a:t>08/10/2017</a:t>
+              <a:t>14/10/2017</a:t>
             </a:fld>
             <a:endParaRPr lang="pt-BR"/>
           </a:p>
@@ -5587,7 +5587,7 @@
           <a:p>
             <a:fld id="{033C220F-AFE8-4CCC-95E1-E0424241E150}" type="datetimeFigureOut">
               <a:rPr lang="pt-BR" smtClean="0"/>
-              <a:t>08/10/2017</a:t>
+              <a:t>14/10/2017</a:t>
             </a:fld>
             <a:endParaRPr lang="pt-BR"/>
           </a:p>
@@ -5800,7 +5800,7 @@
           <a:p>
             <a:fld id="{033C220F-AFE8-4CCC-95E1-E0424241E150}" type="datetimeFigureOut">
               <a:rPr lang="pt-BR" smtClean="0"/>
-              <a:t>08/10/2017</a:t>
+              <a:t>14/10/2017</a:t>
             </a:fld>
             <a:endParaRPr lang="pt-BR"/>
           </a:p>
@@ -6597,50 +6597,71 @@
               <a:t>mik</a:t>
             </a:r>
             <a:r>
+              <a:rPr lang="pt-BR" dirty="0" smtClean="0"/>
+              <a:t> </a:t>
+            </a:r>
+            <a:r>
+              <a:rPr lang="pt-BR" strike="sngStrike" dirty="0" smtClean="0"/>
+              <a:t>Fazer o personagem saber que matou o </a:t>
+            </a:r>
+            <a:r>
+              <a:rPr lang="pt-BR" strike="sngStrike" dirty="0" err="1" smtClean="0"/>
+              <a:t>mik</a:t>
+            </a:r>
+            <a:r>
+              <a:rPr lang="pt-BR" strike="sngStrike" dirty="0" smtClean="0"/>
+              <a:t> (</a:t>
+            </a:r>
+            <a:r>
+              <a:rPr lang="pt-BR" strike="sngStrike" dirty="0" err="1" smtClean="0"/>
+              <a:t>add</a:t>
+            </a:r>
+            <a:r>
+              <a:rPr lang="pt-BR" strike="sngStrike" dirty="0" smtClean="0"/>
+              <a:t> pulo)</a:t>
+            </a:r>
+            <a:r>
+              <a:rPr lang="pt-BR" dirty="0"/>
+              <a:t>	</a:t>
+            </a:r>
+            <a:endParaRPr lang="pt-BR" dirty="0" smtClean="0"/>
+          </a:p>
+          <a:p>
+            <a:r>
+              <a:rPr lang="pt-BR" dirty="0"/>
+              <a:t>	</a:t>
+            </a:r>
+            <a:r>
+              <a:rPr lang="pt-BR" strike="sngStrike" dirty="0" smtClean="0"/>
+              <a:t>- rever atrito no ar </a:t>
+            </a:r>
+          </a:p>
+          <a:p>
+            <a:r>
+              <a:rPr lang="pt-BR" dirty="0" smtClean="0"/>
+              <a:t>	</a:t>
+            </a:r>
+            <a:r>
+              <a:rPr lang="pt-BR" strike="sngStrike" dirty="0" smtClean="0"/>
+              <a:t>- </a:t>
+            </a:r>
+            <a:r>
+              <a:rPr lang="pt-BR" strike="sngStrike" dirty="0" err="1" smtClean="0"/>
+              <a:t>wall</a:t>
+            </a:r>
+            <a:r>
               <a:rPr lang="pt-BR" strike="sngStrike" dirty="0" smtClean="0"/>
               <a:t> </a:t>
             </a:r>
             <a:r>
-              <a:rPr lang="pt-BR" dirty="0" smtClean="0"/>
-              <a:t>Fazer o personagem saber que matou o </a:t>
-            </a:r>
-            <a:r>
-              <a:rPr lang="pt-BR" dirty="0" err="1" smtClean="0"/>
-              <a:t>mik</a:t>
-            </a:r>
-            <a:r>
-              <a:rPr lang="pt-BR" dirty="0" smtClean="0"/>
-              <a:t> (</a:t>
-            </a:r>
-            <a:r>
-              <a:rPr lang="pt-BR" dirty="0" err="1" smtClean="0"/>
-              <a:t>add</a:t>
-            </a:r>
-            <a:r>
-              <a:rPr lang="pt-BR" dirty="0" smtClean="0"/>
-              <a:t> pulo)</a:t>
-            </a:r>
-            <a:r>
-              <a:rPr lang="pt-BR" dirty="0"/>
-              <a:t>	</a:t>
-            </a:r>
-            <a:endParaRPr lang="pt-BR" dirty="0" smtClean="0"/>
-          </a:p>
-          <a:p>
-            <a:r>
-              <a:rPr lang="pt-BR" dirty="0"/>
-              <a:t>	</a:t>
-            </a:r>
-            <a:r>
-              <a:rPr lang="pt-BR" dirty="0" smtClean="0"/>
-              <a:t>- rever atrito no ar </a:t>
-            </a:r>
-          </a:p>
-          <a:p>
-            <a:r>
-              <a:rPr lang="pt-BR" dirty="0" smtClean="0"/>
-              <a:t>	- Dash? (invulnerável?)</a:t>
-            </a:r>
+              <a:rPr lang="pt-BR" strike="sngStrike" dirty="0" err="1" smtClean="0"/>
+              <a:t>jump</a:t>
+            </a:r>
+            <a:r>
+              <a:rPr lang="pt-BR" strike="sngStrike" dirty="0" smtClean="0"/>
+              <a:t> melhorado</a:t>
+            </a:r>
+            <a:endParaRPr lang="pt-BR" strike="sngStrike" dirty="0" smtClean="0"/>
           </a:p>
           <a:p>
             <a:r>
@@ -6692,7 +6713,7 @@
         <p:spPr>
           <a:xfrm>
             <a:off x="5588617" y="3995678"/>
-            <a:ext cx="5883479" cy="2862322"/>
+            <a:ext cx="5883479" cy="2585323"/>
           </a:xfrm>
           <a:prstGeom prst="rect">
             <a:avLst/>
@@ -6753,16 +6774,9 @@
             </a:r>
             <a:r>
               <a:rPr lang="pt-BR" dirty="0" smtClean="0"/>
-              <a:t>-Wall </a:t>
-            </a:r>
-            <a:r>
-              <a:rPr lang="pt-BR" dirty="0" err="1" smtClean="0"/>
-              <a:t>jump</a:t>
-            </a:r>
-            <a:r>
-              <a:rPr lang="pt-BR" dirty="0" smtClean="0"/>
-              <a:t> – restringir o controle do player para que ele não sabote o próprio pulo na parede</a:t>
-            </a:r>
+              <a:t>-habilidades????</a:t>
+            </a:r>
+            <a:endParaRPr lang="pt-BR" dirty="0" smtClean="0"/>
           </a:p>
           <a:p>
             <a:r>
